--- a/Report/presen/卒研スライド_佐野01.pptx
+++ b/Report/presen/卒研スライド_佐野01.pptx
@@ -5,27 +5,28 @@
     <p:sldMasterId id="2147483690" r:id="rId1"/>
   </p:sldMasterIdLst>
   <p:notesMasterIdLst>
-    <p:notesMasterId r:id="rId20"/>
+    <p:notesMasterId r:id="rId21"/>
   </p:notesMasterIdLst>
   <p:sldIdLst>
     <p:sldId id="269" r:id="rId2"/>
     <p:sldId id="282" r:id="rId3"/>
     <p:sldId id="283" r:id="rId4"/>
-    <p:sldId id="284" r:id="rId5"/>
-    <p:sldId id="285" r:id="rId6"/>
-    <p:sldId id="286" r:id="rId7"/>
-    <p:sldId id="287" r:id="rId8"/>
-    <p:sldId id="288" r:id="rId9"/>
-    <p:sldId id="289" r:id="rId10"/>
-    <p:sldId id="290" r:id="rId11"/>
-    <p:sldId id="291" r:id="rId12"/>
-    <p:sldId id="292" r:id="rId13"/>
-    <p:sldId id="293" r:id="rId14"/>
-    <p:sldId id="294" r:id="rId15"/>
-    <p:sldId id="295" r:id="rId16"/>
-    <p:sldId id="296" r:id="rId17"/>
-    <p:sldId id="297" r:id="rId18"/>
-    <p:sldId id="298" r:id="rId19"/>
+    <p:sldId id="299" r:id="rId5"/>
+    <p:sldId id="284" r:id="rId6"/>
+    <p:sldId id="285" r:id="rId7"/>
+    <p:sldId id="286" r:id="rId8"/>
+    <p:sldId id="287" r:id="rId9"/>
+    <p:sldId id="288" r:id="rId10"/>
+    <p:sldId id="289" r:id="rId11"/>
+    <p:sldId id="290" r:id="rId12"/>
+    <p:sldId id="291" r:id="rId13"/>
+    <p:sldId id="292" r:id="rId14"/>
+    <p:sldId id="293" r:id="rId15"/>
+    <p:sldId id="294" r:id="rId16"/>
+    <p:sldId id="295" r:id="rId17"/>
+    <p:sldId id="296" r:id="rId18"/>
+    <p:sldId id="297" r:id="rId19"/>
+    <p:sldId id="298" r:id="rId20"/>
   </p:sldIdLst>
   <p:sldSz cx="9144000" cy="6858000" type="screen4x3"/>
   <p:notesSz cx="6797675" cy="9926638"/>
@@ -229,7 +230,7 @@
           <a:p>
             <a:fld id="{E69E4E6D-CA91-433C-8D56-03622934BE5C}" type="datetimeFigureOut">
               <a:rPr kumimoji="1" lang="ja-JP" altLang="en-US" smtClean="0"/>
-              <a:t>2023/1/18</a:t>
+              <a:t>2023/1/20</a:t>
             </a:fld>
             <a:endParaRPr kumimoji="1" lang="ja-JP" altLang="en-US"/>
           </a:p>
@@ -819,7 +820,7 @@
           <a:p>
             <a:fld id="{CFCEAFFB-16E4-4FFE-B2C5-A5F96E944BB4}" type="datetime1">
               <a:rPr kumimoji="1" lang="ja-JP" altLang="en-US" smtClean="0"/>
-              <a:t>2023/1/18</a:t>
+              <a:t>2023/1/20</a:t>
             </a:fld>
             <a:endParaRPr kumimoji="1" lang="ja-JP" altLang="en-US"/>
           </a:p>
@@ -1204,7 +1205,7 @@
           <a:p>
             <a:fld id="{6D3C9CF4-CE6B-4C9D-88F9-673EE74768DD}" type="datetime1">
               <a:rPr kumimoji="1" lang="ja-JP" altLang="en-US" smtClean="0"/>
-              <a:t>2023/1/18</a:t>
+              <a:t>2023/1/20</a:t>
             </a:fld>
             <a:endParaRPr kumimoji="1" lang="ja-JP" altLang="en-US"/>
           </a:p>
@@ -1504,7 +1505,7 @@
           <a:p>
             <a:fld id="{0E14AADA-ADA7-4C17-985B-D4A44CF755AC}" type="datetime1">
               <a:rPr kumimoji="1" lang="ja-JP" altLang="en-US" smtClean="0"/>
-              <a:t>2023/1/18</a:t>
+              <a:t>2023/1/20</a:t>
             </a:fld>
             <a:endParaRPr kumimoji="1" lang="ja-JP" altLang="en-US"/>
           </a:p>
@@ -1728,7 +1729,7 @@
             <a:fld id="{0151172D-7DA2-4A96-B0BD-2B45E6470C11}" type="datetime1">
               <a:rPr kumimoji="1" lang="ja-JP" altLang="en-US" smtClean="0"/>
               <a:pPr/>
-              <a:t>2023/1/18</a:t>
+              <a:t>2023/1/20</a:t>
             </a:fld>
             <a:endParaRPr kumimoji="1" lang="ja-JP" altLang="en-US"/>
           </a:p>
@@ -2057,7 +2058,7 @@
           <a:p>
             <a:fld id="{9F222AC3-3E4E-4AD4-84F5-98520CA0E6EA}" type="datetime1">
               <a:rPr kumimoji="1" lang="ja-JP" altLang="en-US" smtClean="0"/>
-              <a:t>2023/1/18</a:t>
+              <a:t>2023/1/20</a:t>
             </a:fld>
             <a:endParaRPr kumimoji="1" lang="ja-JP" altLang="en-US"/>
           </a:p>
@@ -2377,7 +2378,7 @@
           <a:p>
             <a:fld id="{1577F813-079C-4449-A913-7FC367B3719B}" type="datetime1">
               <a:rPr kumimoji="1" lang="ja-JP" altLang="en-US" smtClean="0"/>
-              <a:t>2023/1/18</a:t>
+              <a:t>2023/1/20</a:t>
             </a:fld>
             <a:endParaRPr kumimoji="1" lang="ja-JP" altLang="en-US"/>
           </a:p>
@@ -2801,7 +2802,7 @@
           <a:p>
             <a:fld id="{0E9DE11E-121B-4DF1-A7C7-F22F79D5863C}" type="datetime1">
               <a:rPr kumimoji="1" lang="ja-JP" altLang="en-US" smtClean="0"/>
-              <a:t>2023/1/18</a:t>
+              <a:t>2023/1/20</a:t>
             </a:fld>
             <a:endParaRPr kumimoji="1" lang="ja-JP" altLang="en-US"/>
           </a:p>
@@ -2918,7 +2919,7 @@
           <a:p>
             <a:fld id="{0EBD75F6-044E-491D-986A-5218474C3849}" type="datetime1">
               <a:rPr kumimoji="1" lang="ja-JP" altLang="en-US" smtClean="0"/>
-              <a:t>2023/1/18</a:t>
+              <a:t>2023/1/20</a:t>
             </a:fld>
             <a:endParaRPr kumimoji="1" lang="ja-JP" altLang="en-US"/>
           </a:p>
@@ -3070,7 +3071,7 @@
           <a:p>
             <a:fld id="{DDB65AAA-4C39-4533-9757-B6DE8CE5EC87}" type="datetime1">
               <a:rPr kumimoji="1" lang="ja-JP" altLang="en-US" smtClean="0"/>
-              <a:t>2023/1/18</a:t>
+              <a:t>2023/1/20</a:t>
             </a:fld>
             <a:endParaRPr kumimoji="1" lang="ja-JP" altLang="en-US"/>
           </a:p>
@@ -3524,7 +3525,7 @@
           <a:p>
             <a:fld id="{89E10A35-18E7-4C34-A608-8F9C6570FF17}" type="datetime1">
               <a:rPr kumimoji="1" lang="ja-JP" altLang="en-US" smtClean="0"/>
-              <a:t>2023/1/18</a:t>
+              <a:t>2023/1/20</a:t>
             </a:fld>
             <a:endParaRPr kumimoji="1" lang="ja-JP" altLang="en-US"/>
           </a:p>
@@ -3874,7 +3875,7 @@
           <a:p>
             <a:fld id="{4EE510F7-DF63-4592-B9AC-44F49C49724F}" type="datetime1">
               <a:rPr kumimoji="1" lang="ja-JP" altLang="en-US" smtClean="0"/>
-              <a:t>2023/1/18</a:t>
+              <a:t>2023/1/20</a:t>
             </a:fld>
             <a:endParaRPr kumimoji="1" lang="ja-JP" altLang="en-US"/>
           </a:p>
@@ -4207,7 +4208,7 @@
             <a:fld id="{8209CCA8-EEE3-4970-ACF8-17990B1D87EC}" type="datetime1">
               <a:rPr kumimoji="1" lang="ja-JP" altLang="en-US" smtClean="0"/>
               <a:pPr/>
-              <a:t>2023/1/18</a:t>
+              <a:t>2023/1/20</a:t>
             </a:fld>
             <a:endParaRPr kumimoji="1" lang="ja-JP" altLang="en-US"/>
           </a:p>
@@ -4784,32 +4785,88 @@
           <a:lstStyle/>
           <a:p>
             <a:r>
-              <a:rPr kumimoji="1" lang="en-US" altLang="ja-JP" dirty="0"/>
+              <a:rPr kumimoji="1" lang="en-US" altLang="ja-JP" dirty="0">
+                <a:solidFill>
+                  <a:schemeClr val="tx1">
+                    <a:lumMod val="75000"/>
+                    <a:lumOff val="25000"/>
+                  </a:schemeClr>
+                </a:solidFill>
+              </a:rPr>
               <a:t>C-3</a:t>
             </a:r>
             <a:br>
-              <a:rPr kumimoji="1" lang="en-US" altLang="ja-JP" dirty="0"/>
+              <a:rPr kumimoji="1" lang="en-US" altLang="ja-JP" dirty="0">
+                <a:solidFill>
+                  <a:schemeClr val="tx1">
+                    <a:lumMod val="75000"/>
+                    <a:lumOff val="25000"/>
+                  </a:schemeClr>
+                </a:solidFill>
+              </a:rPr>
             </a:br>
             <a:r>
-              <a:rPr lang="ja-JP" altLang="en-US" sz="3600" dirty="0"/>
+              <a:rPr lang="ja-JP" altLang="en-US" sz="3600" dirty="0">
+                <a:solidFill>
+                  <a:schemeClr val="tx1">
+                    <a:lumMod val="75000"/>
+                    <a:lumOff val="25000"/>
+                  </a:schemeClr>
+                </a:solidFill>
+              </a:rPr>
               <a:t>選手の</a:t>
             </a:r>
             <a:r>
-              <a:rPr lang="en-US" altLang="ja-JP" sz="3600" dirty="0"/>
+              <a:rPr lang="en-US" altLang="ja-JP" sz="3600" dirty="0">
+                <a:solidFill>
+                  <a:schemeClr val="tx1">
+                    <a:lumMod val="75000"/>
+                    <a:lumOff val="25000"/>
+                  </a:schemeClr>
+                </a:solidFill>
+              </a:rPr>
               <a:t>3</a:t>
             </a:r>
             <a:r>
-              <a:rPr lang="ja-JP" altLang="en-US" sz="3600" dirty="0"/>
+              <a:rPr lang="ja-JP" altLang="en-US" sz="3600" dirty="0">
+                <a:solidFill>
+                  <a:schemeClr val="tx1">
+                    <a:lumMod val="75000"/>
+                    <a:lumOff val="25000"/>
+                  </a:schemeClr>
+                </a:solidFill>
+              </a:rPr>
               <a:t>次元位置を追跡する</a:t>
             </a:r>
             <a:br>
-              <a:rPr lang="en-US" altLang="ja-JP" sz="3600" dirty="0"/>
+              <a:rPr lang="en-US" altLang="ja-JP" sz="3600" dirty="0">
+                <a:solidFill>
+                  <a:schemeClr val="tx1">
+                    <a:lumMod val="75000"/>
+                    <a:lumOff val="25000"/>
+                  </a:schemeClr>
+                </a:solidFill>
+              </a:rPr>
             </a:br>
             <a:r>
-              <a:rPr lang="ja-JP" altLang="en-US" sz="3600" dirty="0"/>
+              <a:rPr lang="ja-JP" altLang="en-US" sz="3600" dirty="0">
+                <a:solidFill>
+                  <a:schemeClr val="tx1">
+                    <a:lumMod val="75000"/>
+                    <a:lumOff val="25000"/>
+                  </a:schemeClr>
+                </a:solidFill>
+              </a:rPr>
               <a:t>バレーボール分析支援システム</a:t>
             </a:r>
-            <a:endParaRPr kumimoji="1" lang="ja-JP" altLang="en-US" sz="3600" dirty="0"/>
+            <a:endParaRPr kumimoji="1" lang="ja-JP" altLang="en-US" sz="3600" dirty="0">
+              <a:solidFill>
+                <a:schemeClr val="tx1">
+                  <a:lumMod val="75000"/>
+                  <a:lumOff val="25000"/>
+                </a:schemeClr>
+              </a:solidFill>
+            </a:endParaRPr>
           </a:p>
         </p:txBody>
       </p:sp>
@@ -4910,7 +4967,7 @@
           <p:cNvPr id="2" name="タイトル 1">
             <a:extLst>
               <a:ext uri="{FF2B5EF4-FFF2-40B4-BE49-F238E27FC236}">
-                <a16:creationId xmlns:a16="http://schemas.microsoft.com/office/drawing/2014/main" id="{4AE6BF1C-4759-71E9-7A3E-452AEF9D5482}"/>
+                <a16:creationId xmlns:a16="http://schemas.microsoft.com/office/drawing/2014/main" id="{A2A3D40D-F2A2-DACF-25F2-825CA2315319}"/>
               </a:ext>
             </a:extLst>
           </p:cNvPr>
@@ -4928,21 +4985,16 @@
           <a:p>
             <a:r>
               <a:rPr kumimoji="1" lang="ja-JP" altLang="en-US" dirty="0"/>
-              <a:t>選手位置の推定結果</a:t>
+              <a:t>選手の</a:t>
             </a:r>
             <a:r>
               <a:rPr kumimoji="1" lang="en-US" altLang="ja-JP" dirty="0"/>
-              <a:t>(</a:t>
+              <a:t>3</a:t>
             </a:r>
             <a:r>
               <a:rPr kumimoji="1" lang="ja-JP" altLang="en-US" dirty="0"/>
-              <a:t>手動</a:t>
-            </a:r>
-            <a:r>
-              <a:rPr kumimoji="1" lang="en-US" altLang="ja-JP" dirty="0"/>
-              <a:t>)</a:t>
-            </a:r>
-            <a:endParaRPr kumimoji="1" lang="ja-JP" altLang="en-US" dirty="0"/>
+              <a:t>次元位置推定</a:t>
+            </a:r>
           </a:p>
         </p:txBody>
       </p:sp>
@@ -4951,7 +5003,7 @@
           <p:cNvPr id="3" name="日付プレースホルダー 2">
             <a:extLst>
               <a:ext uri="{FF2B5EF4-FFF2-40B4-BE49-F238E27FC236}">
-                <a16:creationId xmlns:a16="http://schemas.microsoft.com/office/drawing/2014/main" id="{0D948C7E-BAFF-E270-4C3E-9785BBE711C0}"/>
+                <a16:creationId xmlns:a16="http://schemas.microsoft.com/office/drawing/2014/main" id="{2E1DC128-EE9C-1C83-F534-7E7A9E859E22}"/>
               </a:ext>
             </a:extLst>
           </p:cNvPr>
@@ -4969,7 +5021,7 @@
           <a:p>
             <a:fld id="{0EBD75F6-044E-491D-986A-5218474C3849}" type="datetime1">
               <a:rPr kumimoji="1" lang="ja-JP" altLang="en-US" smtClean="0"/>
-              <a:t>2023/1/18</a:t>
+              <a:t>2023/1/20</a:t>
             </a:fld>
             <a:endParaRPr kumimoji="1" lang="ja-JP" altLang="en-US"/>
           </a:p>
@@ -4980,7 +5032,7 @@
           <p:cNvPr id="4" name="スライド番号プレースホルダー 3">
             <a:extLst>
               <a:ext uri="{FF2B5EF4-FFF2-40B4-BE49-F238E27FC236}">
-                <a16:creationId xmlns:a16="http://schemas.microsoft.com/office/drawing/2014/main" id="{FE68E506-5832-0C00-C86C-A07323228218}"/>
+                <a16:creationId xmlns:a16="http://schemas.microsoft.com/office/drawing/2014/main" id="{56B6B4B3-8A35-C28A-E441-994D17187EAD}"/>
               </a:ext>
             </a:extLst>
           </p:cNvPr>
@@ -5007,7 +5059,7 @@
     </p:spTree>
     <p:extLst>
       <p:ext uri="{BB962C8B-B14F-4D97-AF65-F5344CB8AC3E}">
-        <p14:creationId xmlns:p14="http://schemas.microsoft.com/office/powerpoint/2010/main" val="703248983"/>
+        <p14:creationId xmlns:p14="http://schemas.microsoft.com/office/powerpoint/2010/main" val="1782289201"/>
       </p:ext>
     </p:extLst>
   </p:cSld>
@@ -5039,7 +5091,7 @@
           <p:cNvPr id="2" name="タイトル 1">
             <a:extLst>
               <a:ext uri="{FF2B5EF4-FFF2-40B4-BE49-F238E27FC236}">
-                <a16:creationId xmlns:a16="http://schemas.microsoft.com/office/drawing/2014/main" id="{6956D777-066B-77D6-1554-1F8C22C56418}"/>
+                <a16:creationId xmlns:a16="http://schemas.microsoft.com/office/drawing/2014/main" id="{4AE6BF1C-4759-71E9-7A3E-452AEF9D5482}"/>
               </a:ext>
             </a:extLst>
           </p:cNvPr>
@@ -5080,7 +5132,7 @@
           <p:cNvPr id="3" name="日付プレースホルダー 2">
             <a:extLst>
               <a:ext uri="{FF2B5EF4-FFF2-40B4-BE49-F238E27FC236}">
-                <a16:creationId xmlns:a16="http://schemas.microsoft.com/office/drawing/2014/main" id="{3773A3D9-CEAE-F56D-5B80-96445938A8D1}"/>
+                <a16:creationId xmlns:a16="http://schemas.microsoft.com/office/drawing/2014/main" id="{0D948C7E-BAFF-E270-4C3E-9785BBE711C0}"/>
               </a:ext>
             </a:extLst>
           </p:cNvPr>
@@ -5098,7 +5150,7 @@
           <a:p>
             <a:fld id="{0EBD75F6-044E-491D-986A-5218474C3849}" type="datetime1">
               <a:rPr kumimoji="1" lang="ja-JP" altLang="en-US" smtClean="0"/>
-              <a:t>2023/1/18</a:t>
+              <a:t>2023/1/20</a:t>
             </a:fld>
             <a:endParaRPr kumimoji="1" lang="ja-JP" altLang="en-US"/>
           </a:p>
@@ -5109,7 +5161,7 @@
           <p:cNvPr id="4" name="スライド番号プレースホルダー 3">
             <a:extLst>
               <a:ext uri="{FF2B5EF4-FFF2-40B4-BE49-F238E27FC236}">
-                <a16:creationId xmlns:a16="http://schemas.microsoft.com/office/drawing/2014/main" id="{C555EBF2-8662-5FE8-7E02-8877297AC33F}"/>
+                <a16:creationId xmlns:a16="http://schemas.microsoft.com/office/drawing/2014/main" id="{FE68E506-5832-0C00-C86C-A07323228218}"/>
               </a:ext>
             </a:extLst>
           </p:cNvPr>
@@ -5136,7 +5188,7 @@
     </p:spTree>
     <p:extLst>
       <p:ext uri="{BB962C8B-B14F-4D97-AF65-F5344CB8AC3E}">
-        <p14:creationId xmlns:p14="http://schemas.microsoft.com/office/powerpoint/2010/main" val="2717347469"/>
+        <p14:creationId xmlns:p14="http://schemas.microsoft.com/office/powerpoint/2010/main" val="703248983"/>
       </p:ext>
     </p:extLst>
   </p:cSld>
@@ -5168,7 +5220,7 @@
           <p:cNvPr id="2" name="タイトル 1">
             <a:extLst>
               <a:ext uri="{FF2B5EF4-FFF2-40B4-BE49-F238E27FC236}">
-                <a16:creationId xmlns:a16="http://schemas.microsoft.com/office/drawing/2014/main" id="{2C432935-3342-512E-F057-344BBFE54A42}"/>
+                <a16:creationId xmlns:a16="http://schemas.microsoft.com/office/drawing/2014/main" id="{6956D777-066B-77D6-1554-1F8C22C56418}"/>
               </a:ext>
             </a:extLst>
           </p:cNvPr>
@@ -5186,7 +5238,7 @@
           <a:p>
             <a:r>
               <a:rPr kumimoji="1" lang="ja-JP" altLang="en-US" dirty="0"/>
-              <a:t>映像間の選手の対応付け</a:t>
+              <a:t>選手位置の推定結果</a:t>
             </a:r>
             <a:r>
               <a:rPr kumimoji="1" lang="en-US" altLang="ja-JP" dirty="0"/>
@@ -5194,7 +5246,7 @@
             </a:r>
             <a:r>
               <a:rPr kumimoji="1" lang="ja-JP" altLang="en-US" dirty="0"/>
-              <a:t>自動</a:t>
+              <a:t>手動</a:t>
             </a:r>
             <a:r>
               <a:rPr kumimoji="1" lang="en-US" altLang="ja-JP" dirty="0"/>
@@ -5209,7 +5261,7 @@
           <p:cNvPr id="3" name="日付プレースホルダー 2">
             <a:extLst>
               <a:ext uri="{FF2B5EF4-FFF2-40B4-BE49-F238E27FC236}">
-                <a16:creationId xmlns:a16="http://schemas.microsoft.com/office/drawing/2014/main" id="{ADF43B54-AA1B-2705-4537-F2913CFA34E0}"/>
+                <a16:creationId xmlns:a16="http://schemas.microsoft.com/office/drawing/2014/main" id="{3773A3D9-CEAE-F56D-5B80-96445938A8D1}"/>
               </a:ext>
             </a:extLst>
           </p:cNvPr>
@@ -5227,7 +5279,7 @@
           <a:p>
             <a:fld id="{0EBD75F6-044E-491D-986A-5218474C3849}" type="datetime1">
               <a:rPr kumimoji="1" lang="ja-JP" altLang="en-US" smtClean="0"/>
-              <a:t>2023/1/18</a:t>
+              <a:t>2023/1/20</a:t>
             </a:fld>
             <a:endParaRPr kumimoji="1" lang="ja-JP" altLang="en-US"/>
           </a:p>
@@ -5238,7 +5290,7 @@
           <p:cNvPr id="4" name="スライド番号プレースホルダー 3">
             <a:extLst>
               <a:ext uri="{FF2B5EF4-FFF2-40B4-BE49-F238E27FC236}">
-                <a16:creationId xmlns:a16="http://schemas.microsoft.com/office/drawing/2014/main" id="{7FE0B7D4-5F12-1B76-A958-CC461D5EB470}"/>
+                <a16:creationId xmlns:a16="http://schemas.microsoft.com/office/drawing/2014/main" id="{C555EBF2-8662-5FE8-7E02-8877297AC33F}"/>
               </a:ext>
             </a:extLst>
           </p:cNvPr>
@@ -5265,7 +5317,7 @@
     </p:spTree>
     <p:extLst>
       <p:ext uri="{BB962C8B-B14F-4D97-AF65-F5344CB8AC3E}">
-        <p14:creationId xmlns:p14="http://schemas.microsoft.com/office/powerpoint/2010/main" val="1180008804"/>
+        <p14:creationId xmlns:p14="http://schemas.microsoft.com/office/powerpoint/2010/main" val="2717347469"/>
       </p:ext>
     </p:extLst>
   </p:cSld>
@@ -5297,7 +5349,7 @@
           <p:cNvPr id="2" name="タイトル 1">
             <a:extLst>
               <a:ext uri="{FF2B5EF4-FFF2-40B4-BE49-F238E27FC236}">
-                <a16:creationId xmlns:a16="http://schemas.microsoft.com/office/drawing/2014/main" id="{6B31E01A-2FF4-3EAC-EF83-FC462B80F577}"/>
+                <a16:creationId xmlns:a16="http://schemas.microsoft.com/office/drawing/2014/main" id="{2C432935-3342-512E-F057-344BBFE54A42}"/>
               </a:ext>
             </a:extLst>
           </p:cNvPr>
@@ -5338,7 +5390,7 @@
           <p:cNvPr id="3" name="日付プレースホルダー 2">
             <a:extLst>
               <a:ext uri="{FF2B5EF4-FFF2-40B4-BE49-F238E27FC236}">
-                <a16:creationId xmlns:a16="http://schemas.microsoft.com/office/drawing/2014/main" id="{323F3D1C-DDE1-1963-0817-2CDAD9B960E3}"/>
+                <a16:creationId xmlns:a16="http://schemas.microsoft.com/office/drawing/2014/main" id="{ADF43B54-AA1B-2705-4537-F2913CFA34E0}"/>
               </a:ext>
             </a:extLst>
           </p:cNvPr>
@@ -5356,7 +5408,7 @@
           <a:p>
             <a:fld id="{0EBD75F6-044E-491D-986A-5218474C3849}" type="datetime1">
               <a:rPr kumimoji="1" lang="ja-JP" altLang="en-US" smtClean="0"/>
-              <a:t>2023/1/18</a:t>
+              <a:t>2023/1/20</a:t>
             </a:fld>
             <a:endParaRPr kumimoji="1" lang="ja-JP" altLang="en-US"/>
           </a:p>
@@ -5367,7 +5419,7 @@
           <p:cNvPr id="4" name="スライド番号プレースホルダー 3">
             <a:extLst>
               <a:ext uri="{FF2B5EF4-FFF2-40B4-BE49-F238E27FC236}">
-                <a16:creationId xmlns:a16="http://schemas.microsoft.com/office/drawing/2014/main" id="{E8AACCCB-2223-0EBD-CC7F-D89DBE1D7334}"/>
+                <a16:creationId xmlns:a16="http://schemas.microsoft.com/office/drawing/2014/main" id="{7FE0B7D4-5F12-1B76-A958-CC461D5EB470}"/>
               </a:ext>
             </a:extLst>
           </p:cNvPr>
@@ -5394,7 +5446,7 @@
     </p:spTree>
     <p:extLst>
       <p:ext uri="{BB962C8B-B14F-4D97-AF65-F5344CB8AC3E}">
-        <p14:creationId xmlns:p14="http://schemas.microsoft.com/office/powerpoint/2010/main" val="64010582"/>
+        <p14:creationId xmlns:p14="http://schemas.microsoft.com/office/powerpoint/2010/main" val="1180008804"/>
       </p:ext>
     </p:extLst>
   </p:cSld>
@@ -5426,7 +5478,7 @@
           <p:cNvPr id="2" name="タイトル 1">
             <a:extLst>
               <a:ext uri="{FF2B5EF4-FFF2-40B4-BE49-F238E27FC236}">
-                <a16:creationId xmlns:a16="http://schemas.microsoft.com/office/drawing/2014/main" id="{82B66383-7B87-CA8C-8AAE-220037E62BD2}"/>
+                <a16:creationId xmlns:a16="http://schemas.microsoft.com/office/drawing/2014/main" id="{6B31E01A-2FF4-3EAC-EF83-FC462B80F577}"/>
               </a:ext>
             </a:extLst>
           </p:cNvPr>
@@ -5467,7 +5519,7 @@
           <p:cNvPr id="3" name="日付プレースホルダー 2">
             <a:extLst>
               <a:ext uri="{FF2B5EF4-FFF2-40B4-BE49-F238E27FC236}">
-                <a16:creationId xmlns:a16="http://schemas.microsoft.com/office/drawing/2014/main" id="{314ADB49-69DF-7705-0294-705310132A65}"/>
+                <a16:creationId xmlns:a16="http://schemas.microsoft.com/office/drawing/2014/main" id="{323F3D1C-DDE1-1963-0817-2CDAD9B960E3}"/>
               </a:ext>
             </a:extLst>
           </p:cNvPr>
@@ -5485,7 +5537,7 @@
           <a:p>
             <a:fld id="{0EBD75F6-044E-491D-986A-5218474C3849}" type="datetime1">
               <a:rPr kumimoji="1" lang="ja-JP" altLang="en-US" smtClean="0"/>
-              <a:t>2023/1/18</a:t>
+              <a:t>2023/1/20</a:t>
             </a:fld>
             <a:endParaRPr kumimoji="1" lang="ja-JP" altLang="en-US"/>
           </a:p>
@@ -5496,7 +5548,7 @@
           <p:cNvPr id="4" name="スライド番号プレースホルダー 3">
             <a:extLst>
               <a:ext uri="{FF2B5EF4-FFF2-40B4-BE49-F238E27FC236}">
-                <a16:creationId xmlns:a16="http://schemas.microsoft.com/office/drawing/2014/main" id="{F7EBACE1-C156-0AF4-680E-4340E1FFA07B}"/>
+                <a16:creationId xmlns:a16="http://schemas.microsoft.com/office/drawing/2014/main" id="{E8AACCCB-2223-0EBD-CC7F-D89DBE1D7334}"/>
               </a:ext>
             </a:extLst>
           </p:cNvPr>
@@ -5523,7 +5575,7 @@
     </p:spTree>
     <p:extLst>
       <p:ext uri="{BB962C8B-B14F-4D97-AF65-F5344CB8AC3E}">
-        <p14:creationId xmlns:p14="http://schemas.microsoft.com/office/powerpoint/2010/main" val="2590324452"/>
+        <p14:creationId xmlns:p14="http://schemas.microsoft.com/office/powerpoint/2010/main" val="64010582"/>
       </p:ext>
     </p:extLst>
   </p:cSld>
@@ -5555,7 +5607,7 @@
           <p:cNvPr id="2" name="タイトル 1">
             <a:extLst>
               <a:ext uri="{FF2B5EF4-FFF2-40B4-BE49-F238E27FC236}">
-                <a16:creationId xmlns:a16="http://schemas.microsoft.com/office/drawing/2014/main" id="{70F32ED4-540D-BE14-8748-B9DF59715597}"/>
+                <a16:creationId xmlns:a16="http://schemas.microsoft.com/office/drawing/2014/main" id="{82B66383-7B87-CA8C-8AAE-220037E62BD2}"/>
               </a:ext>
             </a:extLst>
           </p:cNvPr>
@@ -5573,7 +5625,7 @@
           <a:p>
             <a:r>
               <a:rPr kumimoji="1" lang="ja-JP" altLang="en-US" dirty="0"/>
-              <a:t>選手位置の推定結果</a:t>
+              <a:t>映像間の選手の対応付け</a:t>
             </a:r>
             <a:r>
               <a:rPr kumimoji="1" lang="en-US" altLang="ja-JP" dirty="0"/>
@@ -5596,7 +5648,7 @@
           <p:cNvPr id="3" name="日付プレースホルダー 2">
             <a:extLst>
               <a:ext uri="{FF2B5EF4-FFF2-40B4-BE49-F238E27FC236}">
-                <a16:creationId xmlns:a16="http://schemas.microsoft.com/office/drawing/2014/main" id="{486F989B-3D20-5554-1A7B-9402DA23BC0E}"/>
+                <a16:creationId xmlns:a16="http://schemas.microsoft.com/office/drawing/2014/main" id="{314ADB49-69DF-7705-0294-705310132A65}"/>
               </a:ext>
             </a:extLst>
           </p:cNvPr>
@@ -5614,7 +5666,7 @@
           <a:p>
             <a:fld id="{0EBD75F6-044E-491D-986A-5218474C3849}" type="datetime1">
               <a:rPr kumimoji="1" lang="ja-JP" altLang="en-US" smtClean="0"/>
-              <a:t>2023/1/18</a:t>
+              <a:t>2023/1/20</a:t>
             </a:fld>
             <a:endParaRPr kumimoji="1" lang="ja-JP" altLang="en-US"/>
           </a:p>
@@ -5625,7 +5677,7 @@
           <p:cNvPr id="4" name="スライド番号プレースホルダー 3">
             <a:extLst>
               <a:ext uri="{FF2B5EF4-FFF2-40B4-BE49-F238E27FC236}">
-                <a16:creationId xmlns:a16="http://schemas.microsoft.com/office/drawing/2014/main" id="{9186D649-A933-D98D-95B8-A024D244853B}"/>
+                <a16:creationId xmlns:a16="http://schemas.microsoft.com/office/drawing/2014/main" id="{F7EBACE1-C156-0AF4-680E-4340E1FFA07B}"/>
               </a:ext>
             </a:extLst>
           </p:cNvPr>
@@ -5652,7 +5704,7 @@
     </p:spTree>
     <p:extLst>
       <p:ext uri="{BB962C8B-B14F-4D97-AF65-F5344CB8AC3E}">
-        <p14:creationId xmlns:p14="http://schemas.microsoft.com/office/powerpoint/2010/main" val="1826182359"/>
+        <p14:creationId xmlns:p14="http://schemas.microsoft.com/office/powerpoint/2010/main" val="2590324452"/>
       </p:ext>
     </p:extLst>
   </p:cSld>
@@ -5684,7 +5736,7 @@
           <p:cNvPr id="2" name="タイトル 1">
             <a:extLst>
               <a:ext uri="{FF2B5EF4-FFF2-40B4-BE49-F238E27FC236}">
-                <a16:creationId xmlns:a16="http://schemas.microsoft.com/office/drawing/2014/main" id="{D5D232E1-EF51-BB9C-3F69-5BAA2068D815}"/>
+                <a16:creationId xmlns:a16="http://schemas.microsoft.com/office/drawing/2014/main" id="{70F32ED4-540D-BE14-8748-B9DF59715597}"/>
               </a:ext>
             </a:extLst>
           </p:cNvPr>
@@ -5725,7 +5777,7 @@
           <p:cNvPr id="3" name="日付プレースホルダー 2">
             <a:extLst>
               <a:ext uri="{FF2B5EF4-FFF2-40B4-BE49-F238E27FC236}">
-                <a16:creationId xmlns:a16="http://schemas.microsoft.com/office/drawing/2014/main" id="{5A775027-1C63-407F-BD31-19C128503BDC}"/>
+                <a16:creationId xmlns:a16="http://schemas.microsoft.com/office/drawing/2014/main" id="{486F989B-3D20-5554-1A7B-9402DA23BC0E}"/>
               </a:ext>
             </a:extLst>
           </p:cNvPr>
@@ -5743,7 +5795,7 @@
           <a:p>
             <a:fld id="{0EBD75F6-044E-491D-986A-5218474C3849}" type="datetime1">
               <a:rPr kumimoji="1" lang="ja-JP" altLang="en-US" smtClean="0"/>
-              <a:t>2023/1/18</a:t>
+              <a:t>2023/1/20</a:t>
             </a:fld>
             <a:endParaRPr kumimoji="1" lang="ja-JP" altLang="en-US"/>
           </a:p>
@@ -5754,7 +5806,7 @@
           <p:cNvPr id="4" name="スライド番号プレースホルダー 3">
             <a:extLst>
               <a:ext uri="{FF2B5EF4-FFF2-40B4-BE49-F238E27FC236}">
-                <a16:creationId xmlns:a16="http://schemas.microsoft.com/office/drawing/2014/main" id="{A9C312BF-5B90-10F7-5B98-4A63B97102A2}"/>
+                <a16:creationId xmlns:a16="http://schemas.microsoft.com/office/drawing/2014/main" id="{9186D649-A933-D98D-95B8-A024D244853B}"/>
               </a:ext>
             </a:extLst>
           </p:cNvPr>
@@ -5781,7 +5833,7 @@
     </p:spTree>
     <p:extLst>
       <p:ext uri="{BB962C8B-B14F-4D97-AF65-F5344CB8AC3E}">
-        <p14:creationId xmlns:p14="http://schemas.microsoft.com/office/powerpoint/2010/main" val="2708999693"/>
+        <p14:creationId xmlns:p14="http://schemas.microsoft.com/office/powerpoint/2010/main" val="1826182359"/>
       </p:ext>
     </p:extLst>
   </p:cSld>
@@ -5813,7 +5865,7 @@
           <p:cNvPr id="2" name="タイトル 1">
             <a:extLst>
               <a:ext uri="{FF2B5EF4-FFF2-40B4-BE49-F238E27FC236}">
-                <a16:creationId xmlns:a16="http://schemas.microsoft.com/office/drawing/2014/main" id="{B620AFE0-0E95-9F3F-C9CD-EBDC087617A9}"/>
+                <a16:creationId xmlns:a16="http://schemas.microsoft.com/office/drawing/2014/main" id="{D5D232E1-EF51-BB9C-3F69-5BAA2068D815}"/>
               </a:ext>
             </a:extLst>
           </p:cNvPr>
@@ -5831,8 +5883,21 @@
           <a:p>
             <a:r>
               <a:rPr kumimoji="1" lang="ja-JP" altLang="en-US" dirty="0"/>
-              <a:t>今後の展望</a:t>
-            </a:r>
+              <a:t>選手位置の推定結果</a:t>
+            </a:r>
+            <a:r>
+              <a:rPr kumimoji="1" lang="en-US" altLang="ja-JP" dirty="0"/>
+              <a:t>(</a:t>
+            </a:r>
+            <a:r>
+              <a:rPr kumimoji="1" lang="ja-JP" altLang="en-US" dirty="0"/>
+              <a:t>自動</a:t>
+            </a:r>
+            <a:r>
+              <a:rPr kumimoji="1" lang="en-US" altLang="ja-JP" dirty="0"/>
+              <a:t>)</a:t>
+            </a:r>
+            <a:endParaRPr kumimoji="1" lang="ja-JP" altLang="en-US" dirty="0"/>
           </a:p>
         </p:txBody>
       </p:sp>
@@ -5841,7 +5906,7 @@
           <p:cNvPr id="3" name="日付プレースホルダー 2">
             <a:extLst>
               <a:ext uri="{FF2B5EF4-FFF2-40B4-BE49-F238E27FC236}">
-                <a16:creationId xmlns:a16="http://schemas.microsoft.com/office/drawing/2014/main" id="{6DE6EDF2-8DCA-915A-9A8D-6218CB469034}"/>
+                <a16:creationId xmlns:a16="http://schemas.microsoft.com/office/drawing/2014/main" id="{5A775027-1C63-407F-BD31-19C128503BDC}"/>
               </a:ext>
             </a:extLst>
           </p:cNvPr>
@@ -5859,7 +5924,7 @@
           <a:p>
             <a:fld id="{0EBD75F6-044E-491D-986A-5218474C3849}" type="datetime1">
               <a:rPr kumimoji="1" lang="ja-JP" altLang="en-US" smtClean="0"/>
-              <a:t>2023/1/18</a:t>
+              <a:t>2023/1/20</a:t>
             </a:fld>
             <a:endParaRPr kumimoji="1" lang="ja-JP" altLang="en-US"/>
           </a:p>
@@ -5870,7 +5935,7 @@
           <p:cNvPr id="4" name="スライド番号プレースホルダー 3">
             <a:extLst>
               <a:ext uri="{FF2B5EF4-FFF2-40B4-BE49-F238E27FC236}">
-                <a16:creationId xmlns:a16="http://schemas.microsoft.com/office/drawing/2014/main" id="{94C009AF-FDDF-77FE-E80A-B22EA3B0D62F}"/>
+                <a16:creationId xmlns:a16="http://schemas.microsoft.com/office/drawing/2014/main" id="{A9C312BF-5B90-10F7-5B98-4A63B97102A2}"/>
               </a:ext>
             </a:extLst>
           </p:cNvPr>
@@ -5897,7 +5962,7 @@
     </p:spTree>
     <p:extLst>
       <p:ext uri="{BB962C8B-B14F-4D97-AF65-F5344CB8AC3E}">
-        <p14:creationId xmlns:p14="http://schemas.microsoft.com/office/powerpoint/2010/main" val="3881312893"/>
+        <p14:creationId xmlns:p14="http://schemas.microsoft.com/office/powerpoint/2010/main" val="2708999693"/>
       </p:ext>
     </p:extLst>
   </p:cSld>
@@ -5929,6 +5994,122 @@
           <p:cNvPr id="2" name="タイトル 1">
             <a:extLst>
               <a:ext uri="{FF2B5EF4-FFF2-40B4-BE49-F238E27FC236}">
+                <a16:creationId xmlns:a16="http://schemas.microsoft.com/office/drawing/2014/main" id="{B620AFE0-0E95-9F3F-C9CD-EBDC087617A9}"/>
+              </a:ext>
+            </a:extLst>
+          </p:cNvPr>
+          <p:cNvSpPr>
+            <a:spLocks noGrp="1"/>
+          </p:cNvSpPr>
+          <p:nvPr>
+            <p:ph type="title"/>
+          </p:nvPr>
+        </p:nvSpPr>
+        <p:spPr/>
+        <p:txBody>
+          <a:bodyPr/>
+          <a:lstStyle/>
+          <a:p>
+            <a:r>
+              <a:rPr kumimoji="1" lang="ja-JP" altLang="en-US" dirty="0"/>
+              <a:t>今後の展望</a:t>
+            </a:r>
+          </a:p>
+        </p:txBody>
+      </p:sp>
+      <p:sp>
+        <p:nvSpPr>
+          <p:cNvPr id="3" name="日付プレースホルダー 2">
+            <a:extLst>
+              <a:ext uri="{FF2B5EF4-FFF2-40B4-BE49-F238E27FC236}">
+                <a16:creationId xmlns:a16="http://schemas.microsoft.com/office/drawing/2014/main" id="{6DE6EDF2-8DCA-915A-9A8D-6218CB469034}"/>
+              </a:ext>
+            </a:extLst>
+          </p:cNvPr>
+          <p:cNvSpPr>
+            <a:spLocks noGrp="1"/>
+          </p:cNvSpPr>
+          <p:nvPr>
+            <p:ph type="dt" sz="half" idx="10"/>
+          </p:nvPr>
+        </p:nvSpPr>
+        <p:spPr/>
+        <p:txBody>
+          <a:bodyPr/>
+          <a:lstStyle/>
+          <a:p>
+            <a:fld id="{0EBD75F6-044E-491D-986A-5218474C3849}" type="datetime1">
+              <a:rPr kumimoji="1" lang="ja-JP" altLang="en-US" smtClean="0"/>
+              <a:t>2023/1/20</a:t>
+            </a:fld>
+            <a:endParaRPr kumimoji="1" lang="ja-JP" altLang="en-US"/>
+          </a:p>
+        </p:txBody>
+      </p:sp>
+      <p:sp>
+        <p:nvSpPr>
+          <p:cNvPr id="4" name="スライド番号プレースホルダー 3">
+            <a:extLst>
+              <a:ext uri="{FF2B5EF4-FFF2-40B4-BE49-F238E27FC236}">
+                <a16:creationId xmlns:a16="http://schemas.microsoft.com/office/drawing/2014/main" id="{94C009AF-FDDF-77FE-E80A-B22EA3B0D62F}"/>
+              </a:ext>
+            </a:extLst>
+          </p:cNvPr>
+          <p:cNvSpPr>
+            <a:spLocks noGrp="1"/>
+          </p:cNvSpPr>
+          <p:nvPr>
+            <p:ph type="sldNum" sz="quarter" idx="12"/>
+          </p:nvPr>
+        </p:nvSpPr>
+        <p:spPr/>
+        <p:txBody>
+          <a:bodyPr/>
+          <a:lstStyle/>
+          <a:p>
+            <a:fld id="{E2856846-1EF8-4374-B523-FE9A680A5F89}" type="slidenum">
+              <a:rPr kumimoji="1" lang="ja-JP" altLang="en-US" smtClean="0"/>
+              <a:t>18</a:t>
+            </a:fld>
+            <a:endParaRPr kumimoji="1" lang="ja-JP" altLang="en-US"/>
+          </a:p>
+        </p:txBody>
+      </p:sp>
+    </p:spTree>
+    <p:extLst>
+      <p:ext uri="{BB962C8B-B14F-4D97-AF65-F5344CB8AC3E}">
+        <p14:creationId xmlns:p14="http://schemas.microsoft.com/office/powerpoint/2010/main" val="3881312893"/>
+      </p:ext>
+    </p:extLst>
+  </p:cSld>
+  <p:clrMapOvr>
+    <a:masterClrMapping/>
+  </p:clrMapOvr>
+</p:sld>
+</file>
+
+<file path=ppt/slides/slide19.xml><?xml version="1.0" encoding="utf-8"?>
+<p:sld xmlns:a="http://schemas.openxmlformats.org/drawingml/2006/main" xmlns:r="http://schemas.openxmlformats.org/officeDocument/2006/relationships" xmlns:p="http://schemas.openxmlformats.org/presentationml/2006/main">
+  <p:cSld>
+    <p:spTree>
+      <p:nvGrpSpPr>
+        <p:cNvPr id="1" name=""/>
+        <p:cNvGrpSpPr/>
+        <p:nvPr/>
+      </p:nvGrpSpPr>
+      <p:grpSpPr>
+        <a:xfrm>
+          <a:off x="0" y="0"/>
+          <a:ext cx="0" cy="0"/>
+          <a:chOff x="0" y="0"/>
+          <a:chExt cx="0" cy="0"/>
+        </a:xfrm>
+      </p:grpSpPr>
+      <p:sp>
+        <p:nvSpPr>
+          <p:cNvPr id="2" name="タイトル 1">
+            <a:extLst>
+              <a:ext uri="{FF2B5EF4-FFF2-40B4-BE49-F238E27FC236}">
                 <a16:creationId xmlns:a16="http://schemas.microsoft.com/office/drawing/2014/main" id="{7F0E466A-6967-86C4-3744-A3EB6E208C20}"/>
               </a:ext>
             </a:extLst>
@@ -5975,7 +6156,7 @@
           <a:p>
             <a:fld id="{0EBD75F6-044E-491D-986A-5218474C3849}" type="datetime1">
               <a:rPr kumimoji="1" lang="ja-JP" altLang="en-US" smtClean="0"/>
-              <a:t>2023/1/18</a:t>
+              <a:t>2023/1/20</a:t>
             </a:fld>
             <a:endParaRPr kumimoji="1" lang="ja-JP" altLang="en-US"/>
           </a:p>
@@ -6004,7 +6185,7 @@
           <a:p>
             <a:fld id="{E2856846-1EF8-4374-B523-FE9A680A5F89}" type="slidenum">
               <a:rPr kumimoji="1" lang="ja-JP" altLang="en-US" smtClean="0"/>
-              <a:t>18</a:t>
+              <a:t>19</a:t>
             </a:fld>
             <a:endParaRPr kumimoji="1" lang="ja-JP" altLang="en-US"/>
           </a:p>
@@ -6063,7 +6244,7 @@
           <a:p>
             <a:r>
               <a:rPr kumimoji="1" lang="ja-JP" altLang="en-US" b="1" dirty="0"/>
-              <a:t>研究背景</a:t>
+              <a:t>研究背景①</a:t>
             </a:r>
           </a:p>
         </p:txBody>
@@ -6091,7 +6272,7 @@
           <a:p>
             <a:fld id="{0EBD75F6-044E-491D-986A-5218474C3849}" type="datetime1">
               <a:rPr kumimoji="1" lang="ja-JP" altLang="en-US" smtClean="0"/>
-              <a:t>2023/1/18</a:t>
+              <a:t>2023/1/20</a:t>
             </a:fld>
             <a:endParaRPr kumimoji="1" lang="ja-JP" altLang="en-US"/>
           </a:p>
@@ -6123,6 +6304,851 @@
               <a:t>2</a:t>
             </a:fld>
             <a:endParaRPr kumimoji="1" lang="ja-JP" altLang="en-US"/>
+          </a:p>
+        </p:txBody>
+      </p:sp>
+      <p:sp>
+        <p:nvSpPr>
+          <p:cNvPr id="7" name="テキスト ボックス 6">
+            <a:extLst>
+              <a:ext uri="{FF2B5EF4-FFF2-40B4-BE49-F238E27FC236}">
+                <a16:creationId xmlns:a16="http://schemas.microsoft.com/office/drawing/2014/main" id="{E7856BF5-2709-B106-107B-2DA148FD040B}"/>
+              </a:ext>
+            </a:extLst>
+          </p:cNvPr>
+          <p:cNvSpPr txBox="1"/>
+          <p:nvPr/>
+        </p:nvSpPr>
+        <p:spPr>
+          <a:xfrm>
+            <a:off x="237066" y="1370240"/>
+            <a:ext cx="3300904" cy="523220"/>
+          </a:xfrm>
+          <a:prstGeom prst="rect">
+            <a:avLst/>
+          </a:prstGeom>
+          <a:noFill/>
+        </p:spPr>
+        <p:txBody>
+          <a:bodyPr wrap="none" rtlCol="0">
+            <a:spAutoFit/>
+          </a:bodyPr>
+          <a:lstStyle/>
+          <a:p>
+            <a:r>
+              <a:rPr kumimoji="1" lang="ja-JP" altLang="en-US" sz="2800" b="1" dirty="0">
+                <a:solidFill>
+                  <a:schemeClr val="tx1">
+                    <a:lumMod val="75000"/>
+                    <a:lumOff val="25000"/>
+                  </a:schemeClr>
+                </a:solidFill>
+              </a:rPr>
+              <a:t>現在のスポーツ指導</a:t>
+            </a:r>
+          </a:p>
+        </p:txBody>
+      </p:sp>
+      <p:sp>
+        <p:nvSpPr>
+          <p:cNvPr id="8" name="正方形/長方形 7">
+            <a:extLst>
+              <a:ext uri="{FF2B5EF4-FFF2-40B4-BE49-F238E27FC236}">
+                <a16:creationId xmlns:a16="http://schemas.microsoft.com/office/drawing/2014/main" id="{7D02EAAE-D157-E40A-A337-F65FEFB166CA}"/>
+              </a:ext>
+            </a:extLst>
+          </p:cNvPr>
+          <p:cNvSpPr/>
+          <p:nvPr/>
+        </p:nvSpPr>
+        <p:spPr>
+          <a:xfrm>
+            <a:off x="694270" y="2366719"/>
+            <a:ext cx="3253416" cy="691791"/>
+          </a:xfrm>
+          <a:prstGeom prst="rect">
+            <a:avLst/>
+          </a:prstGeom>
+          <a:ln>
+            <a:noFill/>
+          </a:ln>
+        </p:spPr>
+        <p:style>
+          <a:lnRef idx="2">
+            <a:schemeClr val="accent4">
+              <a:shade val="50000"/>
+            </a:schemeClr>
+          </a:lnRef>
+          <a:fillRef idx="1">
+            <a:schemeClr val="accent4"/>
+          </a:fillRef>
+          <a:effectRef idx="0">
+            <a:schemeClr val="accent4"/>
+          </a:effectRef>
+          <a:fontRef idx="minor">
+            <a:schemeClr val="lt1"/>
+          </a:fontRef>
+        </p:style>
+        <p:txBody>
+          <a:bodyPr rtlCol="0" anchor="ctr"/>
+          <a:lstStyle>
+            <a:defPPr>
+              <a:defRPr lang="en-US"/>
+            </a:defPPr>
+            <a:lvl1pPr marL="0" algn="l" defTabSz="457200" rtl="0" eaLnBrk="1" latinLnBrk="0" hangingPunct="1">
+              <a:defRPr sz="1800" kern="1200">
+                <a:solidFill>
+                  <a:schemeClr val="lt1"/>
+                </a:solidFill>
+                <a:latin typeface="+mn-lt"/>
+                <a:ea typeface="+mn-ea"/>
+                <a:cs typeface="+mn-cs"/>
+              </a:defRPr>
+            </a:lvl1pPr>
+            <a:lvl2pPr marL="457200" algn="l" defTabSz="457200" rtl="0" eaLnBrk="1" latinLnBrk="0" hangingPunct="1">
+              <a:defRPr sz="1800" kern="1200">
+                <a:solidFill>
+                  <a:schemeClr val="lt1"/>
+                </a:solidFill>
+                <a:latin typeface="+mn-lt"/>
+                <a:ea typeface="+mn-ea"/>
+                <a:cs typeface="+mn-cs"/>
+              </a:defRPr>
+            </a:lvl2pPr>
+            <a:lvl3pPr marL="914400" algn="l" defTabSz="457200" rtl="0" eaLnBrk="1" latinLnBrk="0" hangingPunct="1">
+              <a:defRPr sz="1800" kern="1200">
+                <a:solidFill>
+                  <a:schemeClr val="lt1"/>
+                </a:solidFill>
+                <a:latin typeface="+mn-lt"/>
+                <a:ea typeface="+mn-ea"/>
+                <a:cs typeface="+mn-cs"/>
+              </a:defRPr>
+            </a:lvl3pPr>
+            <a:lvl4pPr marL="1371600" algn="l" defTabSz="457200" rtl="0" eaLnBrk="1" latinLnBrk="0" hangingPunct="1">
+              <a:defRPr sz="1800" kern="1200">
+                <a:solidFill>
+                  <a:schemeClr val="lt1"/>
+                </a:solidFill>
+                <a:latin typeface="+mn-lt"/>
+                <a:ea typeface="+mn-ea"/>
+                <a:cs typeface="+mn-cs"/>
+              </a:defRPr>
+            </a:lvl4pPr>
+            <a:lvl5pPr marL="1828800" algn="l" defTabSz="457200" rtl="0" eaLnBrk="1" latinLnBrk="0" hangingPunct="1">
+              <a:defRPr sz="1800" kern="1200">
+                <a:solidFill>
+                  <a:schemeClr val="lt1"/>
+                </a:solidFill>
+                <a:latin typeface="+mn-lt"/>
+                <a:ea typeface="+mn-ea"/>
+                <a:cs typeface="+mn-cs"/>
+              </a:defRPr>
+            </a:lvl5pPr>
+            <a:lvl6pPr marL="2286000" algn="l" defTabSz="457200" rtl="0" eaLnBrk="1" latinLnBrk="0" hangingPunct="1">
+              <a:defRPr sz="1800" kern="1200">
+                <a:solidFill>
+                  <a:schemeClr val="lt1"/>
+                </a:solidFill>
+                <a:latin typeface="+mn-lt"/>
+                <a:ea typeface="+mn-ea"/>
+                <a:cs typeface="+mn-cs"/>
+              </a:defRPr>
+            </a:lvl6pPr>
+            <a:lvl7pPr marL="2743200" algn="l" defTabSz="457200" rtl="0" eaLnBrk="1" latinLnBrk="0" hangingPunct="1">
+              <a:defRPr sz="1800" kern="1200">
+                <a:solidFill>
+                  <a:schemeClr val="lt1"/>
+                </a:solidFill>
+                <a:latin typeface="+mn-lt"/>
+                <a:ea typeface="+mn-ea"/>
+                <a:cs typeface="+mn-cs"/>
+              </a:defRPr>
+            </a:lvl7pPr>
+            <a:lvl8pPr marL="3200400" algn="l" defTabSz="457200" rtl="0" eaLnBrk="1" latinLnBrk="0" hangingPunct="1">
+              <a:defRPr sz="1800" kern="1200">
+                <a:solidFill>
+                  <a:schemeClr val="lt1"/>
+                </a:solidFill>
+                <a:latin typeface="+mn-lt"/>
+                <a:ea typeface="+mn-ea"/>
+                <a:cs typeface="+mn-cs"/>
+              </a:defRPr>
+            </a:lvl8pPr>
+            <a:lvl9pPr marL="3657600" algn="l" defTabSz="457200" rtl="0" eaLnBrk="1" latinLnBrk="0" hangingPunct="1">
+              <a:defRPr sz="1800" kern="1200">
+                <a:solidFill>
+                  <a:schemeClr val="lt1"/>
+                </a:solidFill>
+                <a:latin typeface="+mn-lt"/>
+                <a:ea typeface="+mn-ea"/>
+                <a:cs typeface="+mn-cs"/>
+              </a:defRPr>
+            </a:lvl9pPr>
+          </a:lstStyle>
+          <a:p>
+            <a:pPr algn="ctr"/>
+            <a:r>
+              <a:rPr kumimoji="1" lang="ja-JP" altLang="en-US" sz="2800" b="1" dirty="0"/>
+              <a:t>感覚的な指導</a:t>
+            </a:r>
+          </a:p>
+        </p:txBody>
+      </p:sp>
+      <p:sp>
+        <p:nvSpPr>
+          <p:cNvPr id="9" name="正方形/長方形 8">
+            <a:extLst>
+              <a:ext uri="{FF2B5EF4-FFF2-40B4-BE49-F238E27FC236}">
+                <a16:creationId xmlns:a16="http://schemas.microsoft.com/office/drawing/2014/main" id="{D89D219C-1B1C-0B44-C78A-0268394E3181}"/>
+              </a:ext>
+            </a:extLst>
+          </p:cNvPr>
+          <p:cNvSpPr/>
+          <p:nvPr/>
+        </p:nvSpPr>
+        <p:spPr>
+          <a:xfrm>
+            <a:off x="694270" y="4144267"/>
+            <a:ext cx="3253416" cy="691791"/>
+          </a:xfrm>
+          <a:prstGeom prst="rect">
+            <a:avLst/>
+          </a:prstGeom>
+          <a:ln>
+            <a:noFill/>
+          </a:ln>
+        </p:spPr>
+        <p:style>
+          <a:lnRef idx="2">
+            <a:schemeClr val="accent4">
+              <a:shade val="50000"/>
+            </a:schemeClr>
+          </a:lnRef>
+          <a:fillRef idx="1">
+            <a:schemeClr val="accent4"/>
+          </a:fillRef>
+          <a:effectRef idx="0">
+            <a:schemeClr val="accent4"/>
+          </a:effectRef>
+          <a:fontRef idx="minor">
+            <a:schemeClr val="lt1"/>
+          </a:fontRef>
+        </p:style>
+        <p:txBody>
+          <a:bodyPr rtlCol="0" anchor="ctr"/>
+          <a:lstStyle>
+            <a:defPPr>
+              <a:defRPr lang="en-US"/>
+            </a:defPPr>
+            <a:lvl1pPr marL="0" algn="l" defTabSz="457200" rtl="0" eaLnBrk="1" latinLnBrk="0" hangingPunct="1">
+              <a:defRPr sz="1800" kern="1200">
+                <a:solidFill>
+                  <a:schemeClr val="lt1"/>
+                </a:solidFill>
+                <a:latin typeface="+mn-lt"/>
+                <a:ea typeface="+mn-ea"/>
+                <a:cs typeface="+mn-cs"/>
+              </a:defRPr>
+            </a:lvl1pPr>
+            <a:lvl2pPr marL="457200" algn="l" defTabSz="457200" rtl="0" eaLnBrk="1" latinLnBrk="0" hangingPunct="1">
+              <a:defRPr sz="1800" kern="1200">
+                <a:solidFill>
+                  <a:schemeClr val="lt1"/>
+                </a:solidFill>
+                <a:latin typeface="+mn-lt"/>
+                <a:ea typeface="+mn-ea"/>
+                <a:cs typeface="+mn-cs"/>
+              </a:defRPr>
+            </a:lvl2pPr>
+            <a:lvl3pPr marL="914400" algn="l" defTabSz="457200" rtl="0" eaLnBrk="1" latinLnBrk="0" hangingPunct="1">
+              <a:defRPr sz="1800" kern="1200">
+                <a:solidFill>
+                  <a:schemeClr val="lt1"/>
+                </a:solidFill>
+                <a:latin typeface="+mn-lt"/>
+                <a:ea typeface="+mn-ea"/>
+                <a:cs typeface="+mn-cs"/>
+              </a:defRPr>
+            </a:lvl3pPr>
+            <a:lvl4pPr marL="1371600" algn="l" defTabSz="457200" rtl="0" eaLnBrk="1" latinLnBrk="0" hangingPunct="1">
+              <a:defRPr sz="1800" kern="1200">
+                <a:solidFill>
+                  <a:schemeClr val="lt1"/>
+                </a:solidFill>
+                <a:latin typeface="+mn-lt"/>
+                <a:ea typeface="+mn-ea"/>
+                <a:cs typeface="+mn-cs"/>
+              </a:defRPr>
+            </a:lvl4pPr>
+            <a:lvl5pPr marL="1828800" algn="l" defTabSz="457200" rtl="0" eaLnBrk="1" latinLnBrk="0" hangingPunct="1">
+              <a:defRPr sz="1800" kern="1200">
+                <a:solidFill>
+                  <a:schemeClr val="lt1"/>
+                </a:solidFill>
+                <a:latin typeface="+mn-lt"/>
+                <a:ea typeface="+mn-ea"/>
+                <a:cs typeface="+mn-cs"/>
+              </a:defRPr>
+            </a:lvl5pPr>
+            <a:lvl6pPr marL="2286000" algn="l" defTabSz="457200" rtl="0" eaLnBrk="1" latinLnBrk="0" hangingPunct="1">
+              <a:defRPr sz="1800" kern="1200">
+                <a:solidFill>
+                  <a:schemeClr val="lt1"/>
+                </a:solidFill>
+                <a:latin typeface="+mn-lt"/>
+                <a:ea typeface="+mn-ea"/>
+                <a:cs typeface="+mn-cs"/>
+              </a:defRPr>
+            </a:lvl6pPr>
+            <a:lvl7pPr marL="2743200" algn="l" defTabSz="457200" rtl="0" eaLnBrk="1" latinLnBrk="0" hangingPunct="1">
+              <a:defRPr sz="1800" kern="1200">
+                <a:solidFill>
+                  <a:schemeClr val="lt1"/>
+                </a:solidFill>
+                <a:latin typeface="+mn-lt"/>
+                <a:ea typeface="+mn-ea"/>
+                <a:cs typeface="+mn-cs"/>
+              </a:defRPr>
+            </a:lvl7pPr>
+            <a:lvl8pPr marL="3200400" algn="l" defTabSz="457200" rtl="0" eaLnBrk="1" latinLnBrk="0" hangingPunct="1">
+              <a:defRPr sz="1800" kern="1200">
+                <a:solidFill>
+                  <a:schemeClr val="lt1"/>
+                </a:solidFill>
+                <a:latin typeface="+mn-lt"/>
+                <a:ea typeface="+mn-ea"/>
+                <a:cs typeface="+mn-cs"/>
+              </a:defRPr>
+            </a:lvl8pPr>
+            <a:lvl9pPr marL="3657600" algn="l" defTabSz="457200" rtl="0" eaLnBrk="1" latinLnBrk="0" hangingPunct="1">
+              <a:defRPr sz="1800" kern="1200">
+                <a:solidFill>
+                  <a:schemeClr val="lt1"/>
+                </a:solidFill>
+                <a:latin typeface="+mn-lt"/>
+                <a:ea typeface="+mn-ea"/>
+                <a:cs typeface="+mn-cs"/>
+              </a:defRPr>
+            </a:lvl9pPr>
+          </a:lstStyle>
+          <a:p>
+            <a:pPr algn="ctr"/>
+            <a:r>
+              <a:rPr kumimoji="1" lang="ja-JP" altLang="en-US" sz="2800" b="1" dirty="0"/>
+              <a:t>定量的な指導</a:t>
+            </a:r>
+          </a:p>
+        </p:txBody>
+      </p:sp>
+      <p:sp>
+        <p:nvSpPr>
+          <p:cNvPr id="10" name="三角形 17">
+            <a:extLst>
+              <a:ext uri="{FF2B5EF4-FFF2-40B4-BE49-F238E27FC236}">
+                <a16:creationId xmlns:a16="http://schemas.microsoft.com/office/drawing/2014/main" id="{60ABA334-9A70-0DE1-F2AD-760041B9A283}"/>
+              </a:ext>
+            </a:extLst>
+          </p:cNvPr>
+          <p:cNvSpPr/>
+          <p:nvPr/>
+        </p:nvSpPr>
+        <p:spPr>
+          <a:xfrm rot="10800000">
+            <a:off x="1817845" y="3503697"/>
+            <a:ext cx="1156447" cy="383242"/>
+          </a:xfrm>
+          <a:prstGeom prst="triangle">
+            <a:avLst>
+              <a:gd name="adj" fmla="val 49419"/>
+            </a:avLst>
+          </a:prstGeom>
+          <a:solidFill>
+            <a:schemeClr val="accent5">
+              <a:lumMod val="60000"/>
+              <a:lumOff val="40000"/>
+            </a:schemeClr>
+          </a:solidFill>
+          <a:ln>
+            <a:noFill/>
+          </a:ln>
+        </p:spPr>
+        <p:style>
+          <a:lnRef idx="2">
+            <a:schemeClr val="accent1">
+              <a:shade val="50000"/>
+            </a:schemeClr>
+          </a:lnRef>
+          <a:fillRef idx="1">
+            <a:schemeClr val="accent1"/>
+          </a:fillRef>
+          <a:effectRef idx="0">
+            <a:schemeClr val="accent1"/>
+          </a:effectRef>
+          <a:fontRef idx="minor">
+            <a:schemeClr val="lt1"/>
+          </a:fontRef>
+        </p:style>
+        <p:txBody>
+          <a:bodyPr rtlCol="0" anchor="ctr"/>
+          <a:lstStyle>
+            <a:defPPr>
+              <a:defRPr lang="en-US"/>
+            </a:defPPr>
+            <a:lvl1pPr marL="0" algn="l" defTabSz="457200" rtl="0" eaLnBrk="1" latinLnBrk="0" hangingPunct="1">
+              <a:defRPr sz="1800" kern="1200">
+                <a:solidFill>
+                  <a:schemeClr val="lt1"/>
+                </a:solidFill>
+                <a:latin typeface="+mn-lt"/>
+                <a:ea typeface="+mn-ea"/>
+                <a:cs typeface="+mn-cs"/>
+              </a:defRPr>
+            </a:lvl1pPr>
+            <a:lvl2pPr marL="457200" algn="l" defTabSz="457200" rtl="0" eaLnBrk="1" latinLnBrk="0" hangingPunct="1">
+              <a:defRPr sz="1800" kern="1200">
+                <a:solidFill>
+                  <a:schemeClr val="lt1"/>
+                </a:solidFill>
+                <a:latin typeface="+mn-lt"/>
+                <a:ea typeface="+mn-ea"/>
+                <a:cs typeface="+mn-cs"/>
+              </a:defRPr>
+            </a:lvl2pPr>
+            <a:lvl3pPr marL="914400" algn="l" defTabSz="457200" rtl="0" eaLnBrk="1" latinLnBrk="0" hangingPunct="1">
+              <a:defRPr sz="1800" kern="1200">
+                <a:solidFill>
+                  <a:schemeClr val="lt1"/>
+                </a:solidFill>
+                <a:latin typeface="+mn-lt"/>
+                <a:ea typeface="+mn-ea"/>
+                <a:cs typeface="+mn-cs"/>
+              </a:defRPr>
+            </a:lvl3pPr>
+            <a:lvl4pPr marL="1371600" algn="l" defTabSz="457200" rtl="0" eaLnBrk="1" latinLnBrk="0" hangingPunct="1">
+              <a:defRPr sz="1800" kern="1200">
+                <a:solidFill>
+                  <a:schemeClr val="lt1"/>
+                </a:solidFill>
+                <a:latin typeface="+mn-lt"/>
+                <a:ea typeface="+mn-ea"/>
+                <a:cs typeface="+mn-cs"/>
+              </a:defRPr>
+            </a:lvl4pPr>
+            <a:lvl5pPr marL="1828800" algn="l" defTabSz="457200" rtl="0" eaLnBrk="1" latinLnBrk="0" hangingPunct="1">
+              <a:defRPr sz="1800" kern="1200">
+                <a:solidFill>
+                  <a:schemeClr val="lt1"/>
+                </a:solidFill>
+                <a:latin typeface="+mn-lt"/>
+                <a:ea typeface="+mn-ea"/>
+                <a:cs typeface="+mn-cs"/>
+              </a:defRPr>
+            </a:lvl5pPr>
+            <a:lvl6pPr marL="2286000" algn="l" defTabSz="457200" rtl="0" eaLnBrk="1" latinLnBrk="0" hangingPunct="1">
+              <a:defRPr sz="1800" kern="1200">
+                <a:solidFill>
+                  <a:schemeClr val="lt1"/>
+                </a:solidFill>
+                <a:latin typeface="+mn-lt"/>
+                <a:ea typeface="+mn-ea"/>
+                <a:cs typeface="+mn-cs"/>
+              </a:defRPr>
+            </a:lvl6pPr>
+            <a:lvl7pPr marL="2743200" algn="l" defTabSz="457200" rtl="0" eaLnBrk="1" latinLnBrk="0" hangingPunct="1">
+              <a:defRPr sz="1800" kern="1200">
+                <a:solidFill>
+                  <a:schemeClr val="lt1"/>
+                </a:solidFill>
+                <a:latin typeface="+mn-lt"/>
+                <a:ea typeface="+mn-ea"/>
+                <a:cs typeface="+mn-cs"/>
+              </a:defRPr>
+            </a:lvl7pPr>
+            <a:lvl8pPr marL="3200400" algn="l" defTabSz="457200" rtl="0" eaLnBrk="1" latinLnBrk="0" hangingPunct="1">
+              <a:defRPr sz="1800" kern="1200">
+                <a:solidFill>
+                  <a:schemeClr val="lt1"/>
+                </a:solidFill>
+                <a:latin typeface="+mn-lt"/>
+                <a:ea typeface="+mn-ea"/>
+                <a:cs typeface="+mn-cs"/>
+              </a:defRPr>
+            </a:lvl8pPr>
+            <a:lvl9pPr marL="3657600" algn="l" defTabSz="457200" rtl="0" eaLnBrk="1" latinLnBrk="0" hangingPunct="1">
+              <a:defRPr sz="1800" kern="1200">
+                <a:solidFill>
+                  <a:schemeClr val="lt1"/>
+                </a:solidFill>
+                <a:latin typeface="+mn-lt"/>
+                <a:ea typeface="+mn-ea"/>
+                <a:cs typeface="+mn-cs"/>
+              </a:defRPr>
+            </a:lvl9pPr>
+          </a:lstStyle>
+          <a:p>
+            <a:pPr algn="ctr"/>
+            <a:endParaRPr kumimoji="1" lang="ja-JP" altLang="en-US"/>
+          </a:p>
+        </p:txBody>
+      </p:sp>
+      <p:sp>
+        <p:nvSpPr>
+          <p:cNvPr id="11" name="テキスト ボックス 1">
+            <a:extLst>
+              <a:ext uri="{FF2B5EF4-FFF2-40B4-BE49-F238E27FC236}">
+                <a16:creationId xmlns:a16="http://schemas.microsoft.com/office/drawing/2014/main" id="{36D7E924-DC52-2BC8-C226-1F5675499960}"/>
+              </a:ext>
+            </a:extLst>
+          </p:cNvPr>
+          <p:cNvSpPr txBox="1"/>
+          <p:nvPr/>
+        </p:nvSpPr>
+        <p:spPr>
+          <a:xfrm>
+            <a:off x="4225062" y="2557200"/>
+            <a:ext cx="2598788" cy="400110"/>
+          </a:xfrm>
+          <a:prstGeom prst="rect">
+            <a:avLst/>
+          </a:prstGeom>
+          <a:noFill/>
+        </p:spPr>
+        <p:txBody>
+          <a:bodyPr wrap="none" rtlCol="0">
+            <a:spAutoFit/>
+          </a:bodyPr>
+          <a:lstStyle>
+            <a:defPPr>
+              <a:defRPr lang="en-US"/>
+            </a:defPPr>
+            <a:lvl1pPr marL="0" algn="l" defTabSz="457200" rtl="0" eaLnBrk="1" latinLnBrk="0" hangingPunct="1">
+              <a:defRPr sz="1800" kern="1200">
+                <a:solidFill>
+                  <a:schemeClr val="tx1"/>
+                </a:solidFill>
+                <a:latin typeface="+mn-lt"/>
+                <a:ea typeface="+mn-ea"/>
+                <a:cs typeface="+mn-cs"/>
+              </a:defRPr>
+            </a:lvl1pPr>
+            <a:lvl2pPr marL="457200" algn="l" defTabSz="457200" rtl="0" eaLnBrk="1" latinLnBrk="0" hangingPunct="1">
+              <a:defRPr sz="1800" kern="1200">
+                <a:solidFill>
+                  <a:schemeClr val="tx1"/>
+                </a:solidFill>
+                <a:latin typeface="+mn-lt"/>
+                <a:ea typeface="+mn-ea"/>
+                <a:cs typeface="+mn-cs"/>
+              </a:defRPr>
+            </a:lvl2pPr>
+            <a:lvl3pPr marL="914400" algn="l" defTabSz="457200" rtl="0" eaLnBrk="1" latinLnBrk="0" hangingPunct="1">
+              <a:defRPr sz="1800" kern="1200">
+                <a:solidFill>
+                  <a:schemeClr val="tx1"/>
+                </a:solidFill>
+                <a:latin typeface="+mn-lt"/>
+                <a:ea typeface="+mn-ea"/>
+                <a:cs typeface="+mn-cs"/>
+              </a:defRPr>
+            </a:lvl3pPr>
+            <a:lvl4pPr marL="1371600" algn="l" defTabSz="457200" rtl="0" eaLnBrk="1" latinLnBrk="0" hangingPunct="1">
+              <a:defRPr sz="1800" kern="1200">
+                <a:solidFill>
+                  <a:schemeClr val="tx1"/>
+                </a:solidFill>
+                <a:latin typeface="+mn-lt"/>
+                <a:ea typeface="+mn-ea"/>
+                <a:cs typeface="+mn-cs"/>
+              </a:defRPr>
+            </a:lvl4pPr>
+            <a:lvl5pPr marL="1828800" algn="l" defTabSz="457200" rtl="0" eaLnBrk="1" latinLnBrk="0" hangingPunct="1">
+              <a:defRPr sz="1800" kern="1200">
+                <a:solidFill>
+                  <a:schemeClr val="tx1"/>
+                </a:solidFill>
+                <a:latin typeface="+mn-lt"/>
+                <a:ea typeface="+mn-ea"/>
+                <a:cs typeface="+mn-cs"/>
+              </a:defRPr>
+            </a:lvl5pPr>
+            <a:lvl6pPr marL="2286000" algn="l" defTabSz="457200" rtl="0" eaLnBrk="1" latinLnBrk="0" hangingPunct="1">
+              <a:defRPr sz="1800" kern="1200">
+                <a:solidFill>
+                  <a:schemeClr val="tx1"/>
+                </a:solidFill>
+                <a:latin typeface="+mn-lt"/>
+                <a:ea typeface="+mn-ea"/>
+                <a:cs typeface="+mn-cs"/>
+              </a:defRPr>
+            </a:lvl6pPr>
+            <a:lvl7pPr marL="2743200" algn="l" defTabSz="457200" rtl="0" eaLnBrk="1" latinLnBrk="0" hangingPunct="1">
+              <a:defRPr sz="1800" kern="1200">
+                <a:solidFill>
+                  <a:schemeClr val="tx1"/>
+                </a:solidFill>
+                <a:latin typeface="+mn-lt"/>
+                <a:ea typeface="+mn-ea"/>
+                <a:cs typeface="+mn-cs"/>
+              </a:defRPr>
+            </a:lvl7pPr>
+            <a:lvl8pPr marL="3200400" algn="l" defTabSz="457200" rtl="0" eaLnBrk="1" latinLnBrk="0" hangingPunct="1">
+              <a:defRPr sz="1800" kern="1200">
+                <a:solidFill>
+                  <a:schemeClr val="tx1"/>
+                </a:solidFill>
+                <a:latin typeface="+mn-lt"/>
+                <a:ea typeface="+mn-ea"/>
+                <a:cs typeface="+mn-cs"/>
+              </a:defRPr>
+            </a:lvl8pPr>
+            <a:lvl9pPr marL="3657600" algn="l" defTabSz="457200" rtl="0" eaLnBrk="1" latinLnBrk="0" hangingPunct="1">
+              <a:defRPr sz="1800" kern="1200">
+                <a:solidFill>
+                  <a:schemeClr val="tx1"/>
+                </a:solidFill>
+                <a:latin typeface="+mn-lt"/>
+                <a:ea typeface="+mn-ea"/>
+                <a:cs typeface="+mn-cs"/>
+              </a:defRPr>
+            </a:lvl9pPr>
+          </a:lstStyle>
+          <a:p>
+            <a:r>
+              <a:rPr kumimoji="1" lang="ja-JP" altLang="en-US" sz="2000" b="1" dirty="0">
+                <a:solidFill>
+                  <a:schemeClr val="tx1">
+                    <a:lumMod val="75000"/>
+                    <a:lumOff val="25000"/>
+                  </a:schemeClr>
+                </a:solidFill>
+              </a:rPr>
+              <a:t>指導者の</a:t>
+            </a:r>
+            <a:r>
+              <a:rPr kumimoji="1" lang="en-US" altLang="ja-JP" sz="2000" b="1" dirty="0">
+                <a:solidFill>
+                  <a:schemeClr val="tx1">
+                    <a:lumMod val="75000"/>
+                    <a:lumOff val="25000"/>
+                  </a:schemeClr>
+                </a:solidFill>
+              </a:rPr>
+              <a:t>”</a:t>
+            </a:r>
+            <a:r>
+              <a:rPr kumimoji="1" lang="ja-JP" altLang="en-US" sz="2000" b="1" dirty="0">
+                <a:solidFill>
+                  <a:schemeClr val="tx1">
+                    <a:lumMod val="75000"/>
+                    <a:lumOff val="25000"/>
+                  </a:schemeClr>
+                </a:solidFill>
+              </a:rPr>
+              <a:t>目</a:t>
+            </a:r>
+            <a:r>
+              <a:rPr kumimoji="1" lang="en-US" altLang="ja-JP" sz="2000" b="1" dirty="0">
+                <a:solidFill>
+                  <a:schemeClr val="tx1">
+                    <a:lumMod val="75000"/>
+                    <a:lumOff val="25000"/>
+                  </a:schemeClr>
+                </a:solidFill>
+              </a:rPr>
+              <a:t>”</a:t>
+            </a:r>
+            <a:r>
+              <a:rPr kumimoji="1" lang="ja-JP" altLang="en-US" sz="2000" b="1" dirty="0">
+                <a:solidFill>
+                  <a:schemeClr val="tx1">
+                    <a:lumMod val="75000"/>
+                    <a:lumOff val="25000"/>
+                  </a:schemeClr>
+                </a:solidFill>
+              </a:rPr>
+              <a:t>に基づく</a:t>
+            </a:r>
+          </a:p>
+        </p:txBody>
+      </p:sp>
+      <p:sp>
+        <p:nvSpPr>
+          <p:cNvPr id="12" name="テキスト ボックス 1">
+            <a:extLst>
+              <a:ext uri="{FF2B5EF4-FFF2-40B4-BE49-F238E27FC236}">
+                <a16:creationId xmlns:a16="http://schemas.microsoft.com/office/drawing/2014/main" id="{E08F945E-A33E-3DBB-C7CA-F9757F1A4062}"/>
+              </a:ext>
+            </a:extLst>
+          </p:cNvPr>
+          <p:cNvSpPr txBox="1"/>
+          <p:nvPr/>
+        </p:nvSpPr>
+        <p:spPr>
+          <a:xfrm>
+            <a:off x="4225062" y="4334748"/>
+            <a:ext cx="4256293" cy="400110"/>
+          </a:xfrm>
+          <a:prstGeom prst="rect">
+            <a:avLst/>
+          </a:prstGeom>
+          <a:noFill/>
+        </p:spPr>
+        <p:txBody>
+          <a:bodyPr wrap="square" rtlCol="0">
+            <a:spAutoFit/>
+          </a:bodyPr>
+          <a:lstStyle>
+            <a:defPPr>
+              <a:defRPr lang="en-US"/>
+            </a:defPPr>
+            <a:lvl1pPr marL="0" algn="l" defTabSz="457200" rtl="0" eaLnBrk="1" latinLnBrk="0" hangingPunct="1">
+              <a:defRPr sz="1800" kern="1200">
+                <a:solidFill>
+                  <a:schemeClr val="tx1"/>
+                </a:solidFill>
+                <a:latin typeface="+mn-lt"/>
+                <a:ea typeface="+mn-ea"/>
+                <a:cs typeface="+mn-cs"/>
+              </a:defRPr>
+            </a:lvl1pPr>
+            <a:lvl2pPr marL="457200" algn="l" defTabSz="457200" rtl="0" eaLnBrk="1" latinLnBrk="0" hangingPunct="1">
+              <a:defRPr sz="1800" kern="1200">
+                <a:solidFill>
+                  <a:schemeClr val="tx1"/>
+                </a:solidFill>
+                <a:latin typeface="+mn-lt"/>
+                <a:ea typeface="+mn-ea"/>
+                <a:cs typeface="+mn-cs"/>
+              </a:defRPr>
+            </a:lvl2pPr>
+            <a:lvl3pPr marL="914400" algn="l" defTabSz="457200" rtl="0" eaLnBrk="1" latinLnBrk="0" hangingPunct="1">
+              <a:defRPr sz="1800" kern="1200">
+                <a:solidFill>
+                  <a:schemeClr val="tx1"/>
+                </a:solidFill>
+                <a:latin typeface="+mn-lt"/>
+                <a:ea typeface="+mn-ea"/>
+                <a:cs typeface="+mn-cs"/>
+              </a:defRPr>
+            </a:lvl3pPr>
+            <a:lvl4pPr marL="1371600" algn="l" defTabSz="457200" rtl="0" eaLnBrk="1" latinLnBrk="0" hangingPunct="1">
+              <a:defRPr sz="1800" kern="1200">
+                <a:solidFill>
+                  <a:schemeClr val="tx1"/>
+                </a:solidFill>
+                <a:latin typeface="+mn-lt"/>
+                <a:ea typeface="+mn-ea"/>
+                <a:cs typeface="+mn-cs"/>
+              </a:defRPr>
+            </a:lvl4pPr>
+            <a:lvl5pPr marL="1828800" algn="l" defTabSz="457200" rtl="0" eaLnBrk="1" latinLnBrk="0" hangingPunct="1">
+              <a:defRPr sz="1800" kern="1200">
+                <a:solidFill>
+                  <a:schemeClr val="tx1"/>
+                </a:solidFill>
+                <a:latin typeface="+mn-lt"/>
+                <a:ea typeface="+mn-ea"/>
+                <a:cs typeface="+mn-cs"/>
+              </a:defRPr>
+            </a:lvl5pPr>
+            <a:lvl6pPr marL="2286000" algn="l" defTabSz="457200" rtl="0" eaLnBrk="1" latinLnBrk="0" hangingPunct="1">
+              <a:defRPr sz="1800" kern="1200">
+                <a:solidFill>
+                  <a:schemeClr val="tx1"/>
+                </a:solidFill>
+                <a:latin typeface="+mn-lt"/>
+                <a:ea typeface="+mn-ea"/>
+                <a:cs typeface="+mn-cs"/>
+              </a:defRPr>
+            </a:lvl6pPr>
+            <a:lvl7pPr marL="2743200" algn="l" defTabSz="457200" rtl="0" eaLnBrk="1" latinLnBrk="0" hangingPunct="1">
+              <a:defRPr sz="1800" kern="1200">
+                <a:solidFill>
+                  <a:schemeClr val="tx1"/>
+                </a:solidFill>
+                <a:latin typeface="+mn-lt"/>
+                <a:ea typeface="+mn-ea"/>
+                <a:cs typeface="+mn-cs"/>
+              </a:defRPr>
+            </a:lvl7pPr>
+            <a:lvl8pPr marL="3200400" algn="l" defTabSz="457200" rtl="0" eaLnBrk="1" latinLnBrk="0" hangingPunct="1">
+              <a:defRPr sz="1800" kern="1200">
+                <a:solidFill>
+                  <a:schemeClr val="tx1"/>
+                </a:solidFill>
+                <a:latin typeface="+mn-lt"/>
+                <a:ea typeface="+mn-ea"/>
+                <a:cs typeface="+mn-cs"/>
+              </a:defRPr>
+            </a:lvl8pPr>
+            <a:lvl9pPr marL="3657600" algn="l" defTabSz="457200" rtl="0" eaLnBrk="1" latinLnBrk="0" hangingPunct="1">
+              <a:defRPr sz="1800" kern="1200">
+                <a:solidFill>
+                  <a:schemeClr val="tx1"/>
+                </a:solidFill>
+                <a:latin typeface="+mn-lt"/>
+                <a:ea typeface="+mn-ea"/>
+                <a:cs typeface="+mn-cs"/>
+              </a:defRPr>
+            </a:lvl9pPr>
+          </a:lstStyle>
+          <a:p>
+            <a:r>
+              <a:rPr kumimoji="1" lang="ja-JP" altLang="en-US" sz="2000" b="1" dirty="0">
+                <a:solidFill>
+                  <a:schemeClr val="tx1">
+                    <a:lumMod val="75000"/>
+                    <a:lumOff val="25000"/>
+                  </a:schemeClr>
+                </a:solidFill>
+              </a:rPr>
+              <a:t>機械の</a:t>
+            </a:r>
+            <a:r>
+              <a:rPr kumimoji="1" lang="en-US" altLang="ja-JP" sz="2000" b="1" dirty="0">
+                <a:solidFill>
+                  <a:schemeClr val="tx1">
+                    <a:lumMod val="75000"/>
+                    <a:lumOff val="25000"/>
+                  </a:schemeClr>
+                </a:solidFill>
+              </a:rPr>
+              <a:t>”</a:t>
+            </a:r>
+            <a:r>
+              <a:rPr kumimoji="1" lang="ja-JP" altLang="en-US" sz="2000" b="1" dirty="0">
+                <a:solidFill>
+                  <a:schemeClr val="tx1">
+                    <a:lumMod val="75000"/>
+                    <a:lumOff val="25000"/>
+                  </a:schemeClr>
+                </a:solidFill>
+              </a:rPr>
+              <a:t>目</a:t>
+            </a:r>
+            <a:r>
+              <a:rPr kumimoji="1" lang="en-US" altLang="ja-JP" sz="2000" b="1" dirty="0">
+                <a:solidFill>
+                  <a:schemeClr val="tx1">
+                    <a:lumMod val="75000"/>
+                    <a:lumOff val="25000"/>
+                  </a:schemeClr>
+                </a:solidFill>
+              </a:rPr>
+              <a:t>”</a:t>
+            </a:r>
+            <a:r>
+              <a:rPr kumimoji="1" lang="ja-JP" altLang="en-US" sz="2000" b="1" dirty="0">
+                <a:solidFill>
+                  <a:schemeClr val="tx1">
+                    <a:lumMod val="75000"/>
+                    <a:lumOff val="25000"/>
+                  </a:schemeClr>
+                </a:solidFill>
+              </a:rPr>
+              <a:t>で選手の動きをデータ化</a:t>
+            </a:r>
           </a:p>
         </p:txBody>
       </p:sp>
@@ -6189,7 +7215,7 @@
           <a:p>
             <a:r>
               <a:rPr lang="ja-JP" altLang="en-US" dirty="0"/>
-              <a:t>研究目的</a:t>
+              <a:t>研究背景②</a:t>
             </a:r>
             <a:endParaRPr kumimoji="1" lang="ja-JP" altLang="en-US" dirty="0"/>
           </a:p>
@@ -6218,7 +7244,7 @@
           <a:p>
             <a:fld id="{0EBD75F6-044E-491D-986A-5218474C3849}" type="datetime1">
               <a:rPr kumimoji="1" lang="ja-JP" altLang="en-US" smtClean="0"/>
-              <a:t>2023/1/18</a:t>
+              <a:t>2023/1/20</a:t>
             </a:fld>
             <a:endParaRPr kumimoji="1" lang="ja-JP" altLang="en-US"/>
           </a:p>
@@ -6250,6 +7276,446 @@
               <a:t>3</a:t>
             </a:fld>
             <a:endParaRPr kumimoji="1" lang="ja-JP" altLang="en-US"/>
+          </a:p>
+        </p:txBody>
+      </p:sp>
+      <p:sp>
+        <p:nvSpPr>
+          <p:cNvPr id="7" name="テキスト ボックス 6">
+            <a:extLst>
+              <a:ext uri="{FF2B5EF4-FFF2-40B4-BE49-F238E27FC236}">
+                <a16:creationId xmlns:a16="http://schemas.microsoft.com/office/drawing/2014/main" id="{4E420A78-7260-C15F-AF08-1027067A69EF}"/>
+              </a:ext>
+            </a:extLst>
+          </p:cNvPr>
+          <p:cNvSpPr txBox="1"/>
+          <p:nvPr/>
+        </p:nvSpPr>
+        <p:spPr>
+          <a:xfrm>
+            <a:off x="237066" y="1370240"/>
+            <a:ext cx="2220480" cy="523220"/>
+          </a:xfrm>
+          <a:prstGeom prst="rect">
+            <a:avLst/>
+          </a:prstGeom>
+          <a:noFill/>
+        </p:spPr>
+        <p:txBody>
+          <a:bodyPr wrap="none" rtlCol="0">
+            <a:spAutoFit/>
+          </a:bodyPr>
+          <a:lstStyle/>
+          <a:p>
+            <a:r>
+              <a:rPr kumimoji="1" lang="ja-JP" altLang="en-US" sz="2800" b="1" dirty="0">
+                <a:solidFill>
+                  <a:schemeClr val="tx1">
+                    <a:lumMod val="75000"/>
+                    <a:lumOff val="25000"/>
+                  </a:schemeClr>
+                </a:solidFill>
+              </a:rPr>
+              <a:t>データバレー</a:t>
+            </a:r>
+          </a:p>
+        </p:txBody>
+      </p:sp>
+      <p:pic>
+        <p:nvPicPr>
+          <p:cNvPr id="1028" name="Picture 4">
+            <a:extLst>
+              <a:ext uri="{FF2B5EF4-FFF2-40B4-BE49-F238E27FC236}">
+                <a16:creationId xmlns:a16="http://schemas.microsoft.com/office/drawing/2014/main" id="{AD79A737-0865-F04E-6747-76B37C7A36EA}"/>
+              </a:ext>
+            </a:extLst>
+          </p:cNvPr>
+          <p:cNvPicPr>
+            <a:picLocks noChangeAspect="1" noChangeArrowheads="1"/>
+          </p:cNvPicPr>
+          <p:nvPr/>
+        </p:nvPicPr>
+        <p:blipFill>
+          <a:blip r:embed="rId2">
+            <a:extLst>
+              <a:ext uri="{28A0092B-C50C-407E-A947-70E740481C1C}">
+                <a14:useLocalDpi xmlns:a14="http://schemas.microsoft.com/office/drawing/2010/main" val="0"/>
+              </a:ext>
+            </a:extLst>
+          </a:blip>
+          <a:srcRect/>
+          <a:stretch>
+            <a:fillRect/>
+          </a:stretch>
+        </p:blipFill>
+        <p:spPr bwMode="auto">
+          <a:xfrm>
+            <a:off x="328675" y="2011386"/>
+            <a:ext cx="4169454" cy="2835228"/>
+          </a:xfrm>
+          <a:prstGeom prst="rect">
+            <a:avLst/>
+          </a:prstGeom>
+          <a:noFill/>
+          <a:extLst>
+            <a:ext uri="{909E8E84-426E-40DD-AFC4-6F175D3DCCD1}">
+              <a14:hiddenFill xmlns:a14="http://schemas.microsoft.com/office/drawing/2010/main">
+                <a:solidFill>
+                  <a:srgbClr val="FFFFFF"/>
+                </a:solidFill>
+              </a14:hiddenFill>
+            </a:ext>
+          </a:extLst>
+        </p:spPr>
+      </p:pic>
+      <p:sp>
+        <p:nvSpPr>
+          <p:cNvPr id="9" name="テキスト ボックス 8">
+            <a:extLst>
+              <a:ext uri="{FF2B5EF4-FFF2-40B4-BE49-F238E27FC236}">
+                <a16:creationId xmlns:a16="http://schemas.microsoft.com/office/drawing/2014/main" id="{A3D6573C-0E8F-D334-F45F-6CE80B344C12}"/>
+              </a:ext>
+            </a:extLst>
+          </p:cNvPr>
+          <p:cNvSpPr txBox="1"/>
+          <p:nvPr/>
+        </p:nvSpPr>
+        <p:spPr>
+          <a:xfrm>
+            <a:off x="328674" y="5026095"/>
+            <a:ext cx="4759793" cy="1015663"/>
+          </a:xfrm>
+          <a:prstGeom prst="rect">
+            <a:avLst/>
+          </a:prstGeom>
+          <a:noFill/>
+        </p:spPr>
+        <p:txBody>
+          <a:bodyPr wrap="square">
+            <a:spAutoFit/>
+          </a:bodyPr>
+          <a:lstStyle/>
+          <a:p>
+            <a:pPr algn="l" rtl="0" fontAlgn="base"/>
+            <a:r>
+              <a:rPr lang="ja-JP" altLang="ja-JP" sz="2000" b="1" i="0" u="none" strike="noStrike" dirty="0">
+                <a:solidFill>
+                  <a:schemeClr val="tx1">
+                    <a:lumMod val="75000"/>
+                    <a:lumOff val="25000"/>
+                  </a:schemeClr>
+                </a:solidFill>
+                <a:effectLst/>
+                <a:latin typeface="+mn-ea"/>
+              </a:rPr>
+              <a:t>専門家がリアルタイム</a:t>
+            </a:r>
+            <a:r>
+              <a:rPr lang="ja-JP" altLang="en-US" sz="2000" b="1" i="0" u="none" strike="noStrike" dirty="0">
+                <a:solidFill>
+                  <a:schemeClr val="tx1">
+                    <a:lumMod val="75000"/>
+                    <a:lumOff val="25000"/>
+                  </a:schemeClr>
+                </a:solidFill>
+                <a:effectLst/>
+                <a:latin typeface="+mn-ea"/>
+              </a:rPr>
+              <a:t>で</a:t>
+            </a:r>
+            <a:r>
+              <a:rPr lang="ja-JP" altLang="ja-JP" sz="2000" b="1" i="0" u="none" strike="noStrike" dirty="0">
+                <a:solidFill>
+                  <a:schemeClr val="tx1">
+                    <a:lumMod val="75000"/>
+                    <a:lumOff val="25000"/>
+                  </a:schemeClr>
+                </a:solidFill>
+                <a:effectLst/>
+                <a:latin typeface="+mn-ea"/>
+              </a:rPr>
+              <a:t>選手の動きを入力</a:t>
+            </a:r>
+            <a:r>
+              <a:rPr lang="en-US" altLang="ja-JP" sz="2000" b="0" i="0" dirty="0">
+                <a:solidFill>
+                  <a:schemeClr val="tx1">
+                    <a:lumMod val="75000"/>
+                    <a:lumOff val="25000"/>
+                  </a:schemeClr>
+                </a:solidFill>
+                <a:effectLst/>
+                <a:latin typeface="+mn-ea"/>
+              </a:rPr>
+              <a:t>​</a:t>
+            </a:r>
+          </a:p>
+          <a:p>
+            <a:pPr marL="271463" indent="-271463" algn="l" rtl="0" fontAlgn="base"/>
+            <a:r>
+              <a:rPr lang="ja-JP" altLang="ja-JP" sz="2000" b="1" i="0" u="none" strike="noStrike" dirty="0">
+                <a:solidFill>
+                  <a:schemeClr val="tx1">
+                    <a:lumMod val="75000"/>
+                    <a:lumOff val="25000"/>
+                  </a:schemeClr>
+                </a:solidFill>
+                <a:effectLst/>
+                <a:latin typeface="+mn-ea"/>
+              </a:rPr>
+              <a:t>→後からプレイの決定率や、選手の位置を</a:t>
+            </a:r>
+            <a:r>
+              <a:rPr lang="ja-JP" altLang="en-US" sz="2000" b="1" i="0" u="none" strike="noStrike" dirty="0">
+                <a:solidFill>
+                  <a:schemeClr val="tx1">
+                    <a:lumMod val="75000"/>
+                    <a:lumOff val="25000"/>
+                  </a:schemeClr>
+                </a:solidFill>
+                <a:effectLst/>
+                <a:latin typeface="+mn-ea"/>
+              </a:rPr>
+              <a:t>　</a:t>
+            </a:r>
+            <a:r>
+              <a:rPr lang="ja-JP" altLang="ja-JP" sz="2000" b="1" i="0" u="none" strike="noStrike" dirty="0">
+                <a:solidFill>
+                  <a:schemeClr val="tx1">
+                    <a:lumMod val="75000"/>
+                    <a:lumOff val="25000"/>
+                  </a:schemeClr>
+                </a:solidFill>
+                <a:effectLst/>
+                <a:latin typeface="+mn-ea"/>
+              </a:rPr>
+              <a:t>見直せる</a:t>
+            </a:r>
+            <a:endParaRPr lang="en-US" altLang="ja-JP" sz="2000" b="0" i="0" dirty="0">
+              <a:solidFill>
+                <a:schemeClr val="tx1">
+                  <a:lumMod val="75000"/>
+                  <a:lumOff val="25000"/>
+                </a:schemeClr>
+              </a:solidFill>
+              <a:effectLst/>
+              <a:latin typeface="+mn-ea"/>
+            </a:endParaRPr>
+          </a:p>
+        </p:txBody>
+      </p:sp>
+      <p:sp>
+        <p:nvSpPr>
+          <p:cNvPr id="10" name="テキスト ボックス 9">
+            <a:extLst>
+              <a:ext uri="{FF2B5EF4-FFF2-40B4-BE49-F238E27FC236}">
+                <a16:creationId xmlns:a16="http://schemas.microsoft.com/office/drawing/2014/main" id="{659EA0A7-67FD-252B-59E1-F7A49D9B636E}"/>
+              </a:ext>
+            </a:extLst>
+          </p:cNvPr>
+          <p:cNvSpPr txBox="1"/>
+          <p:nvPr/>
+        </p:nvSpPr>
+        <p:spPr>
+          <a:xfrm>
+            <a:off x="5430003" y="1431795"/>
+            <a:ext cx="803425" cy="461665"/>
+          </a:xfrm>
+          <a:prstGeom prst="rect">
+            <a:avLst/>
+          </a:prstGeom>
+          <a:noFill/>
+        </p:spPr>
+        <p:txBody>
+          <a:bodyPr wrap="none" rtlCol="0">
+            <a:spAutoFit/>
+          </a:bodyPr>
+          <a:lstStyle/>
+          <a:p>
+            <a:r>
+              <a:rPr kumimoji="1" lang="ja-JP" altLang="en-US" sz="2400" b="1" dirty="0">
+                <a:solidFill>
+                  <a:schemeClr val="tx1">
+                    <a:lumMod val="75000"/>
+                    <a:lumOff val="25000"/>
+                  </a:schemeClr>
+                </a:solidFill>
+              </a:rPr>
+              <a:t>課題</a:t>
+            </a:r>
+          </a:p>
+        </p:txBody>
+      </p:sp>
+      <p:sp>
+        <p:nvSpPr>
+          <p:cNvPr id="11" name="テキスト ボックス 10">
+            <a:extLst>
+              <a:ext uri="{FF2B5EF4-FFF2-40B4-BE49-F238E27FC236}">
+                <a16:creationId xmlns:a16="http://schemas.microsoft.com/office/drawing/2014/main" id="{5CDC7338-1EFA-8827-4668-B48DD92D14B5}"/>
+              </a:ext>
+            </a:extLst>
+          </p:cNvPr>
+          <p:cNvSpPr txBox="1"/>
+          <p:nvPr/>
+        </p:nvSpPr>
+        <p:spPr>
+          <a:xfrm>
+            <a:off x="5430003" y="2011386"/>
+            <a:ext cx="3573414" cy="1886286"/>
+          </a:xfrm>
+          <a:prstGeom prst="rect">
+            <a:avLst/>
+          </a:prstGeom>
+          <a:noFill/>
+        </p:spPr>
+        <p:txBody>
+          <a:bodyPr wrap="none" rtlCol="0">
+            <a:spAutoFit/>
+          </a:bodyPr>
+          <a:lstStyle/>
+          <a:p>
+            <a:pPr>
+              <a:lnSpc>
+                <a:spcPct val="150000"/>
+              </a:lnSpc>
+            </a:pPr>
+            <a:r>
+              <a:rPr kumimoji="1" lang="en-US" altLang="ja-JP" sz="2000" b="1" dirty="0">
+                <a:solidFill>
+                  <a:schemeClr val="tx1">
+                    <a:lumMod val="75000"/>
+                    <a:lumOff val="25000"/>
+                  </a:schemeClr>
+                </a:solidFill>
+              </a:rPr>
+              <a:t>1. </a:t>
+            </a:r>
+            <a:r>
+              <a:rPr kumimoji="1" lang="ja-JP" altLang="en-US" sz="2000" b="1" dirty="0">
+                <a:solidFill>
+                  <a:schemeClr val="tx1">
+                    <a:lumMod val="75000"/>
+                    <a:lumOff val="25000"/>
+                  </a:schemeClr>
+                </a:solidFill>
+              </a:rPr>
+              <a:t>複雑な入力コマンド</a:t>
+            </a:r>
+            <a:endParaRPr kumimoji="1" lang="en-US" altLang="ja-JP" sz="2000" b="1" dirty="0">
+              <a:solidFill>
+                <a:schemeClr val="tx1">
+                  <a:lumMod val="75000"/>
+                  <a:lumOff val="25000"/>
+                </a:schemeClr>
+              </a:solidFill>
+            </a:endParaRPr>
+          </a:p>
+          <a:p>
+            <a:pPr>
+              <a:lnSpc>
+                <a:spcPct val="150000"/>
+              </a:lnSpc>
+            </a:pPr>
+            <a:r>
+              <a:rPr lang="ja-JP" altLang="en-US" sz="2000" b="1" i="0" dirty="0">
+                <a:solidFill>
+                  <a:schemeClr val="tx1">
+                    <a:lumMod val="75000"/>
+                    <a:lumOff val="25000"/>
+                  </a:schemeClr>
+                </a:solidFill>
+                <a:effectLst/>
+                <a:latin typeface="Calibri" panose="020F0502020204030204" pitchFamily="34" charset="0"/>
+              </a:rPr>
+              <a:t>例：</a:t>
+            </a:r>
+            <a:r>
+              <a:rPr lang="en-US" altLang="ja-JP" sz="2000" b="1" i="0" dirty="0">
+                <a:solidFill>
+                  <a:schemeClr val="tx1">
+                    <a:lumMod val="75000"/>
+                    <a:lumOff val="25000"/>
+                  </a:schemeClr>
+                </a:solidFill>
+                <a:effectLst/>
+                <a:latin typeface="Calibri" panose="020F0502020204030204" pitchFamily="34" charset="0"/>
+              </a:rPr>
+              <a:t>15S.14#K1a26P4.17</a:t>
+            </a:r>
+            <a:endParaRPr kumimoji="1" lang="en-US" altLang="ja-JP" sz="2000" b="1" dirty="0">
+              <a:solidFill>
+                <a:schemeClr val="tx1">
+                  <a:lumMod val="75000"/>
+                  <a:lumOff val="25000"/>
+                </a:schemeClr>
+              </a:solidFill>
+            </a:endParaRPr>
+          </a:p>
+          <a:p>
+            <a:pPr>
+              <a:lnSpc>
+                <a:spcPct val="150000"/>
+              </a:lnSpc>
+            </a:pPr>
+            <a:r>
+              <a:rPr kumimoji="1" lang="en-US" altLang="ja-JP" sz="2000" b="1" dirty="0">
+                <a:solidFill>
+                  <a:schemeClr val="tx1">
+                    <a:lumMod val="75000"/>
+                    <a:lumOff val="25000"/>
+                  </a:schemeClr>
+                </a:solidFill>
+              </a:rPr>
+              <a:t>2.</a:t>
+            </a:r>
+            <a:r>
+              <a:rPr kumimoji="1" lang="ja-JP" altLang="en-US" sz="2000" b="1" dirty="0">
+                <a:solidFill>
+                  <a:schemeClr val="tx1">
+                    <a:lumMod val="75000"/>
+                    <a:lumOff val="25000"/>
+                  </a:schemeClr>
+                </a:solidFill>
+              </a:rPr>
+              <a:t> 主観による選手位置の決定</a:t>
+            </a:r>
+            <a:endParaRPr kumimoji="1" lang="en-US" altLang="ja-JP" sz="2000" b="1" dirty="0">
+              <a:solidFill>
+                <a:schemeClr val="tx1">
+                  <a:lumMod val="75000"/>
+                  <a:lumOff val="25000"/>
+                </a:schemeClr>
+              </a:solidFill>
+            </a:endParaRPr>
+          </a:p>
+          <a:p>
+            <a:pPr>
+              <a:lnSpc>
+                <a:spcPct val="150000"/>
+              </a:lnSpc>
+            </a:pPr>
+            <a:r>
+              <a:rPr kumimoji="1" lang="en-US" altLang="ja-JP" sz="2000" b="1" dirty="0">
+                <a:solidFill>
+                  <a:schemeClr val="tx1">
+                    <a:lumMod val="75000"/>
+                    <a:lumOff val="25000"/>
+                  </a:schemeClr>
+                </a:solidFill>
+              </a:rPr>
+              <a:t>3. </a:t>
+            </a:r>
+            <a:r>
+              <a:rPr kumimoji="1" lang="ja-JP" altLang="en-US" sz="2000" b="1" dirty="0">
+                <a:solidFill>
+                  <a:schemeClr val="tx1">
+                    <a:lumMod val="75000"/>
+                    <a:lumOff val="25000"/>
+                  </a:schemeClr>
+                </a:solidFill>
+              </a:rPr>
+              <a:t>データ精度</a:t>
+            </a:r>
           </a:p>
         </p:txBody>
       </p:sp>
@@ -6288,7 +7754,7 @@
           <p:cNvPr id="2" name="タイトル 1">
             <a:extLst>
               <a:ext uri="{FF2B5EF4-FFF2-40B4-BE49-F238E27FC236}">
-                <a16:creationId xmlns:a16="http://schemas.microsoft.com/office/drawing/2014/main" id="{33D2CD1B-C797-0235-A2E7-D72CBCF51B9A}"/>
+                <a16:creationId xmlns:a16="http://schemas.microsoft.com/office/drawing/2014/main" id="{399F587A-988E-2D76-D515-A21B89EABCCF}"/>
               </a:ext>
             </a:extLst>
           </p:cNvPr>
@@ -6306,7 +7772,7 @@
           <a:p>
             <a:r>
               <a:rPr kumimoji="1" lang="ja-JP" altLang="en-US" dirty="0"/>
-              <a:t>コートの撮影</a:t>
+              <a:t>研究背景③</a:t>
             </a:r>
           </a:p>
         </p:txBody>
@@ -6316,7 +7782,7 @@
           <p:cNvPr id="3" name="日付プレースホルダー 2">
             <a:extLst>
               <a:ext uri="{FF2B5EF4-FFF2-40B4-BE49-F238E27FC236}">
-                <a16:creationId xmlns:a16="http://schemas.microsoft.com/office/drawing/2014/main" id="{7128584F-48BE-8BC4-DC91-8A9A8202B2D4}"/>
+                <a16:creationId xmlns:a16="http://schemas.microsoft.com/office/drawing/2014/main" id="{E0810B04-EF72-2204-C42A-552A2CE5D6CD}"/>
               </a:ext>
             </a:extLst>
           </p:cNvPr>
@@ -6334,7 +7800,7 @@
           <a:p>
             <a:fld id="{0EBD75F6-044E-491D-986A-5218474C3849}" type="datetime1">
               <a:rPr kumimoji="1" lang="ja-JP" altLang="en-US" smtClean="0"/>
-              <a:t>2023/1/18</a:t>
+              <a:t>2023/1/20</a:t>
             </a:fld>
             <a:endParaRPr kumimoji="1" lang="ja-JP" altLang="en-US"/>
           </a:p>
@@ -6345,7 +7811,7 @@
           <p:cNvPr id="4" name="スライド番号プレースホルダー 3">
             <a:extLst>
               <a:ext uri="{FF2B5EF4-FFF2-40B4-BE49-F238E27FC236}">
-                <a16:creationId xmlns:a16="http://schemas.microsoft.com/office/drawing/2014/main" id="{9F43509B-FE5E-FAB9-D508-08909A8801ED}"/>
+                <a16:creationId xmlns:a16="http://schemas.microsoft.com/office/drawing/2014/main" id="{260FAC05-0F22-FB97-6F33-6AB454A27852}"/>
               </a:ext>
             </a:extLst>
           </p:cNvPr>
@@ -6369,10 +7835,554 @@
           </a:p>
         </p:txBody>
       </p:sp>
+      <p:sp>
+        <p:nvSpPr>
+          <p:cNvPr id="5" name="テキスト ボックス 4">
+            <a:extLst>
+              <a:ext uri="{FF2B5EF4-FFF2-40B4-BE49-F238E27FC236}">
+                <a16:creationId xmlns:a16="http://schemas.microsoft.com/office/drawing/2014/main" id="{1CE3EA2C-2BEB-E8D4-53CE-5161B971F60A}"/>
+              </a:ext>
+            </a:extLst>
+          </p:cNvPr>
+          <p:cNvSpPr txBox="1"/>
+          <p:nvPr/>
+        </p:nvSpPr>
+        <p:spPr>
+          <a:xfrm>
+            <a:off x="237066" y="1370240"/>
+            <a:ext cx="1627369" cy="523220"/>
+          </a:xfrm>
+          <a:prstGeom prst="rect">
+            <a:avLst/>
+          </a:prstGeom>
+          <a:noFill/>
+        </p:spPr>
+        <p:txBody>
+          <a:bodyPr wrap="none" rtlCol="0">
+            <a:spAutoFit/>
+          </a:bodyPr>
+          <a:lstStyle/>
+          <a:p>
+            <a:r>
+              <a:rPr kumimoji="1" lang="ja-JP" altLang="en-US" sz="2800" b="1" dirty="0">
+                <a:solidFill>
+                  <a:schemeClr val="tx1">
+                    <a:lumMod val="75000"/>
+                    <a:lumOff val="25000"/>
+                  </a:schemeClr>
+                </a:solidFill>
+              </a:rPr>
+              <a:t>先行研究</a:t>
+            </a:r>
+          </a:p>
+        </p:txBody>
+      </p:sp>
+      <p:pic>
+        <p:nvPicPr>
+          <p:cNvPr id="2050" name="Picture 2">
+            <a:extLst>
+              <a:ext uri="{FF2B5EF4-FFF2-40B4-BE49-F238E27FC236}">
+                <a16:creationId xmlns:a16="http://schemas.microsoft.com/office/drawing/2014/main" id="{D41999CF-87E1-6CC2-5C46-415FD8A94851}"/>
+              </a:ext>
+            </a:extLst>
+          </p:cNvPr>
+          <p:cNvPicPr>
+            <a:picLocks noChangeAspect="1" noChangeArrowheads="1"/>
+          </p:cNvPicPr>
+          <p:nvPr/>
+        </p:nvPicPr>
+        <p:blipFill>
+          <a:blip r:embed="rId2">
+            <a:extLst>
+              <a:ext uri="{28A0092B-C50C-407E-A947-70E740481C1C}">
+                <a14:useLocalDpi xmlns:a14="http://schemas.microsoft.com/office/drawing/2010/main" val="0"/>
+              </a:ext>
+            </a:extLst>
+          </a:blip>
+          <a:srcRect/>
+          <a:stretch>
+            <a:fillRect/>
+          </a:stretch>
+        </p:blipFill>
+        <p:spPr bwMode="auto">
+          <a:xfrm>
+            <a:off x="339113" y="1999744"/>
+            <a:ext cx="2548021" cy="4075325"/>
+          </a:xfrm>
+          <a:prstGeom prst="rect">
+            <a:avLst/>
+          </a:prstGeom>
+          <a:noFill/>
+          <a:extLst>
+            <a:ext uri="{909E8E84-426E-40DD-AFC4-6F175D3DCCD1}">
+              <a14:hiddenFill xmlns:a14="http://schemas.microsoft.com/office/drawing/2010/main">
+                <a:solidFill>
+                  <a:srgbClr val="FFFFFF"/>
+                </a:solidFill>
+              </a14:hiddenFill>
+            </a:ext>
+          </a:extLst>
+        </p:spPr>
+      </p:pic>
+      <p:sp>
+        <p:nvSpPr>
+          <p:cNvPr id="8" name="テキスト ボックス 7">
+            <a:extLst>
+              <a:ext uri="{FF2B5EF4-FFF2-40B4-BE49-F238E27FC236}">
+                <a16:creationId xmlns:a16="http://schemas.microsoft.com/office/drawing/2014/main" id="{14E10745-E151-6C5E-E18A-8391D518DDB6}"/>
+              </a:ext>
+            </a:extLst>
+          </p:cNvPr>
+          <p:cNvSpPr txBox="1"/>
+          <p:nvPr/>
+        </p:nvSpPr>
+        <p:spPr>
+          <a:xfrm>
+            <a:off x="3302438" y="1999744"/>
+            <a:ext cx="5502449" cy="830997"/>
+          </a:xfrm>
+          <a:prstGeom prst="rect">
+            <a:avLst/>
+          </a:prstGeom>
+          <a:noFill/>
+        </p:spPr>
+        <p:txBody>
+          <a:bodyPr wrap="square">
+            <a:spAutoFit/>
+          </a:bodyPr>
+          <a:lstStyle/>
+          <a:p>
+            <a:pPr algn="l" rtl="0" fontAlgn="base"/>
+            <a:r>
+              <a:rPr lang="ja-JP" altLang="en-US" sz="2400" b="1" dirty="0">
+                <a:solidFill>
+                  <a:schemeClr val="tx1">
+                    <a:lumMod val="75000"/>
+                    <a:lumOff val="25000"/>
+                  </a:schemeClr>
+                </a:solidFill>
+                <a:latin typeface="+mn-ea"/>
+              </a:rPr>
+              <a:t>選手の足が地面についてる場合</a:t>
+            </a:r>
+            <a:endParaRPr lang="en-US" altLang="ja-JP" sz="2400" b="1" dirty="0">
+              <a:solidFill>
+                <a:schemeClr val="tx1">
+                  <a:lumMod val="75000"/>
+                  <a:lumOff val="25000"/>
+                </a:schemeClr>
+              </a:solidFill>
+              <a:latin typeface="+mn-ea"/>
+            </a:endParaRPr>
+          </a:p>
+          <a:p>
+            <a:pPr algn="l" rtl="0" fontAlgn="base"/>
+            <a:r>
+              <a:rPr lang="ja-JP" altLang="en-US" sz="2400" b="1" i="0" dirty="0">
+                <a:solidFill>
+                  <a:schemeClr val="tx1">
+                    <a:lumMod val="75000"/>
+                    <a:lumOff val="25000"/>
+                  </a:schemeClr>
+                </a:solidFill>
+                <a:effectLst/>
+                <a:latin typeface="+mn-ea"/>
+              </a:rPr>
+              <a:t>選手の平面位置をカメラ</a:t>
+            </a:r>
+            <a:r>
+              <a:rPr lang="en-US" altLang="ja-JP" sz="2400" b="1" i="0" dirty="0">
+                <a:solidFill>
+                  <a:schemeClr val="tx1">
+                    <a:lumMod val="75000"/>
+                    <a:lumOff val="25000"/>
+                  </a:schemeClr>
+                </a:solidFill>
+                <a:effectLst/>
+                <a:latin typeface="+mn-ea"/>
+              </a:rPr>
+              <a:t>1</a:t>
+            </a:r>
+            <a:r>
+              <a:rPr lang="ja-JP" altLang="en-US" sz="2400" b="1" i="0" dirty="0">
+                <a:solidFill>
+                  <a:schemeClr val="tx1">
+                    <a:lumMod val="75000"/>
+                    <a:lumOff val="25000"/>
+                  </a:schemeClr>
+                </a:solidFill>
+                <a:effectLst/>
+                <a:latin typeface="+mn-ea"/>
+              </a:rPr>
+              <a:t>台で推定できる</a:t>
+            </a:r>
+            <a:endParaRPr lang="en-US" altLang="ja-JP" sz="2400" b="1" i="0" dirty="0">
+              <a:solidFill>
+                <a:schemeClr val="tx1">
+                  <a:lumMod val="75000"/>
+                  <a:lumOff val="25000"/>
+                </a:schemeClr>
+              </a:solidFill>
+              <a:effectLst/>
+              <a:latin typeface="+mn-ea"/>
+            </a:endParaRPr>
+          </a:p>
+        </p:txBody>
+      </p:sp>
+      <p:sp>
+        <p:nvSpPr>
+          <p:cNvPr id="9" name="三角形 17">
+            <a:extLst>
+              <a:ext uri="{FF2B5EF4-FFF2-40B4-BE49-F238E27FC236}">
+                <a16:creationId xmlns:a16="http://schemas.microsoft.com/office/drawing/2014/main" id="{D7C92D92-DB00-C8D4-FB2A-F6CEF6A7BDCB}"/>
+              </a:ext>
+            </a:extLst>
+          </p:cNvPr>
+          <p:cNvSpPr/>
+          <p:nvPr/>
+        </p:nvSpPr>
+        <p:spPr>
+          <a:xfrm rot="10800000">
+            <a:off x="5475437" y="3237379"/>
+            <a:ext cx="1156447" cy="383242"/>
+          </a:xfrm>
+          <a:prstGeom prst="triangle">
+            <a:avLst>
+              <a:gd name="adj" fmla="val 49419"/>
+            </a:avLst>
+          </a:prstGeom>
+          <a:solidFill>
+            <a:schemeClr val="accent5">
+              <a:lumMod val="60000"/>
+              <a:lumOff val="40000"/>
+            </a:schemeClr>
+          </a:solidFill>
+          <a:ln>
+            <a:noFill/>
+          </a:ln>
+        </p:spPr>
+        <p:style>
+          <a:lnRef idx="2">
+            <a:schemeClr val="accent1">
+              <a:shade val="50000"/>
+            </a:schemeClr>
+          </a:lnRef>
+          <a:fillRef idx="1">
+            <a:schemeClr val="accent1"/>
+          </a:fillRef>
+          <a:effectRef idx="0">
+            <a:schemeClr val="accent1"/>
+          </a:effectRef>
+          <a:fontRef idx="minor">
+            <a:schemeClr val="lt1"/>
+          </a:fontRef>
+        </p:style>
+        <p:txBody>
+          <a:bodyPr rtlCol="0" anchor="ctr"/>
+          <a:lstStyle>
+            <a:defPPr>
+              <a:defRPr lang="en-US"/>
+            </a:defPPr>
+            <a:lvl1pPr marL="0" algn="l" defTabSz="457200" rtl="0" eaLnBrk="1" latinLnBrk="0" hangingPunct="1">
+              <a:defRPr sz="1800" kern="1200">
+                <a:solidFill>
+                  <a:schemeClr val="lt1"/>
+                </a:solidFill>
+                <a:latin typeface="+mn-lt"/>
+                <a:ea typeface="+mn-ea"/>
+                <a:cs typeface="+mn-cs"/>
+              </a:defRPr>
+            </a:lvl1pPr>
+            <a:lvl2pPr marL="457200" algn="l" defTabSz="457200" rtl="0" eaLnBrk="1" latinLnBrk="0" hangingPunct="1">
+              <a:defRPr sz="1800" kern="1200">
+                <a:solidFill>
+                  <a:schemeClr val="lt1"/>
+                </a:solidFill>
+                <a:latin typeface="+mn-lt"/>
+                <a:ea typeface="+mn-ea"/>
+                <a:cs typeface="+mn-cs"/>
+              </a:defRPr>
+            </a:lvl2pPr>
+            <a:lvl3pPr marL="914400" algn="l" defTabSz="457200" rtl="0" eaLnBrk="1" latinLnBrk="0" hangingPunct="1">
+              <a:defRPr sz="1800" kern="1200">
+                <a:solidFill>
+                  <a:schemeClr val="lt1"/>
+                </a:solidFill>
+                <a:latin typeface="+mn-lt"/>
+                <a:ea typeface="+mn-ea"/>
+                <a:cs typeface="+mn-cs"/>
+              </a:defRPr>
+            </a:lvl3pPr>
+            <a:lvl4pPr marL="1371600" algn="l" defTabSz="457200" rtl="0" eaLnBrk="1" latinLnBrk="0" hangingPunct="1">
+              <a:defRPr sz="1800" kern="1200">
+                <a:solidFill>
+                  <a:schemeClr val="lt1"/>
+                </a:solidFill>
+                <a:latin typeface="+mn-lt"/>
+                <a:ea typeface="+mn-ea"/>
+                <a:cs typeface="+mn-cs"/>
+              </a:defRPr>
+            </a:lvl4pPr>
+            <a:lvl5pPr marL="1828800" algn="l" defTabSz="457200" rtl="0" eaLnBrk="1" latinLnBrk="0" hangingPunct="1">
+              <a:defRPr sz="1800" kern="1200">
+                <a:solidFill>
+                  <a:schemeClr val="lt1"/>
+                </a:solidFill>
+                <a:latin typeface="+mn-lt"/>
+                <a:ea typeface="+mn-ea"/>
+                <a:cs typeface="+mn-cs"/>
+              </a:defRPr>
+            </a:lvl5pPr>
+            <a:lvl6pPr marL="2286000" algn="l" defTabSz="457200" rtl="0" eaLnBrk="1" latinLnBrk="0" hangingPunct="1">
+              <a:defRPr sz="1800" kern="1200">
+                <a:solidFill>
+                  <a:schemeClr val="lt1"/>
+                </a:solidFill>
+                <a:latin typeface="+mn-lt"/>
+                <a:ea typeface="+mn-ea"/>
+                <a:cs typeface="+mn-cs"/>
+              </a:defRPr>
+            </a:lvl6pPr>
+            <a:lvl7pPr marL="2743200" algn="l" defTabSz="457200" rtl="0" eaLnBrk="1" latinLnBrk="0" hangingPunct="1">
+              <a:defRPr sz="1800" kern="1200">
+                <a:solidFill>
+                  <a:schemeClr val="lt1"/>
+                </a:solidFill>
+                <a:latin typeface="+mn-lt"/>
+                <a:ea typeface="+mn-ea"/>
+                <a:cs typeface="+mn-cs"/>
+              </a:defRPr>
+            </a:lvl7pPr>
+            <a:lvl8pPr marL="3200400" algn="l" defTabSz="457200" rtl="0" eaLnBrk="1" latinLnBrk="0" hangingPunct="1">
+              <a:defRPr sz="1800" kern="1200">
+                <a:solidFill>
+                  <a:schemeClr val="lt1"/>
+                </a:solidFill>
+                <a:latin typeface="+mn-lt"/>
+                <a:ea typeface="+mn-ea"/>
+                <a:cs typeface="+mn-cs"/>
+              </a:defRPr>
+            </a:lvl8pPr>
+            <a:lvl9pPr marL="3657600" algn="l" defTabSz="457200" rtl="0" eaLnBrk="1" latinLnBrk="0" hangingPunct="1">
+              <a:defRPr sz="1800" kern="1200">
+                <a:solidFill>
+                  <a:schemeClr val="lt1"/>
+                </a:solidFill>
+                <a:latin typeface="+mn-lt"/>
+                <a:ea typeface="+mn-ea"/>
+                <a:cs typeface="+mn-cs"/>
+              </a:defRPr>
+            </a:lvl9pPr>
+          </a:lstStyle>
+          <a:p>
+            <a:pPr algn="ctr"/>
+            <a:endParaRPr kumimoji="1" lang="ja-JP" altLang="en-US"/>
+          </a:p>
+        </p:txBody>
+      </p:sp>
+      <p:sp>
+        <p:nvSpPr>
+          <p:cNvPr id="10" name="テキスト ボックス 9">
+            <a:extLst>
+              <a:ext uri="{FF2B5EF4-FFF2-40B4-BE49-F238E27FC236}">
+                <a16:creationId xmlns:a16="http://schemas.microsoft.com/office/drawing/2014/main" id="{4535EE3C-082F-71B8-3087-298C25CC1F0B}"/>
+              </a:ext>
+            </a:extLst>
+          </p:cNvPr>
+          <p:cNvSpPr txBox="1"/>
+          <p:nvPr/>
+        </p:nvSpPr>
+        <p:spPr>
+          <a:xfrm>
+            <a:off x="3302438" y="3933502"/>
+            <a:ext cx="5502449" cy="461665"/>
+          </a:xfrm>
+          <a:prstGeom prst="rect">
+            <a:avLst/>
+          </a:prstGeom>
+          <a:noFill/>
+        </p:spPr>
+        <p:txBody>
+          <a:bodyPr wrap="square">
+            <a:spAutoFit/>
+          </a:bodyPr>
+          <a:lstStyle/>
+          <a:p>
+            <a:pPr algn="l" rtl="0" fontAlgn="base"/>
+            <a:r>
+              <a:rPr lang="ja-JP" altLang="en-US" sz="2400" b="1" dirty="0">
+                <a:solidFill>
+                  <a:schemeClr val="tx1">
+                    <a:lumMod val="75000"/>
+                    <a:lumOff val="25000"/>
+                  </a:schemeClr>
+                </a:solidFill>
+                <a:latin typeface="+mn-ea"/>
+              </a:rPr>
+              <a:t>選手が跳躍している場合に対応できない</a:t>
+            </a:r>
+            <a:endParaRPr lang="en-US" altLang="ja-JP" sz="2400" b="1" dirty="0">
+              <a:solidFill>
+                <a:schemeClr val="tx1">
+                  <a:lumMod val="75000"/>
+                  <a:lumOff val="25000"/>
+                </a:schemeClr>
+              </a:solidFill>
+              <a:latin typeface="+mn-ea"/>
+            </a:endParaRPr>
+          </a:p>
+        </p:txBody>
+      </p:sp>
+      <p:sp>
+        <p:nvSpPr>
+          <p:cNvPr id="12" name="正方形/長方形 11">
+            <a:extLst>
+              <a:ext uri="{FF2B5EF4-FFF2-40B4-BE49-F238E27FC236}">
+                <a16:creationId xmlns:a16="http://schemas.microsoft.com/office/drawing/2014/main" id="{1F8B605C-9E8E-48B7-438A-5B3F22F8F89F}"/>
+              </a:ext>
+            </a:extLst>
+          </p:cNvPr>
+          <p:cNvSpPr/>
+          <p:nvPr/>
+        </p:nvSpPr>
+        <p:spPr>
+          <a:xfrm>
+            <a:off x="4426952" y="4611371"/>
+            <a:ext cx="3253416" cy="691791"/>
+          </a:xfrm>
+          <a:prstGeom prst="rect">
+            <a:avLst/>
+          </a:prstGeom>
+          <a:ln>
+            <a:noFill/>
+          </a:ln>
+        </p:spPr>
+        <p:style>
+          <a:lnRef idx="2">
+            <a:schemeClr val="accent4">
+              <a:shade val="50000"/>
+            </a:schemeClr>
+          </a:lnRef>
+          <a:fillRef idx="1">
+            <a:schemeClr val="accent4"/>
+          </a:fillRef>
+          <a:effectRef idx="0">
+            <a:schemeClr val="accent4"/>
+          </a:effectRef>
+          <a:fontRef idx="minor">
+            <a:schemeClr val="lt1"/>
+          </a:fontRef>
+        </p:style>
+        <p:txBody>
+          <a:bodyPr rtlCol="0" anchor="ctr"/>
+          <a:lstStyle>
+            <a:defPPr>
+              <a:defRPr lang="en-US"/>
+            </a:defPPr>
+            <a:lvl1pPr marL="0" algn="l" defTabSz="457200" rtl="0" eaLnBrk="1" latinLnBrk="0" hangingPunct="1">
+              <a:defRPr sz="1800" kern="1200">
+                <a:solidFill>
+                  <a:schemeClr val="lt1"/>
+                </a:solidFill>
+                <a:latin typeface="+mn-lt"/>
+                <a:ea typeface="+mn-ea"/>
+                <a:cs typeface="+mn-cs"/>
+              </a:defRPr>
+            </a:lvl1pPr>
+            <a:lvl2pPr marL="457200" algn="l" defTabSz="457200" rtl="0" eaLnBrk="1" latinLnBrk="0" hangingPunct="1">
+              <a:defRPr sz="1800" kern="1200">
+                <a:solidFill>
+                  <a:schemeClr val="lt1"/>
+                </a:solidFill>
+                <a:latin typeface="+mn-lt"/>
+                <a:ea typeface="+mn-ea"/>
+                <a:cs typeface="+mn-cs"/>
+              </a:defRPr>
+            </a:lvl2pPr>
+            <a:lvl3pPr marL="914400" algn="l" defTabSz="457200" rtl="0" eaLnBrk="1" latinLnBrk="0" hangingPunct="1">
+              <a:defRPr sz="1800" kern="1200">
+                <a:solidFill>
+                  <a:schemeClr val="lt1"/>
+                </a:solidFill>
+                <a:latin typeface="+mn-lt"/>
+                <a:ea typeface="+mn-ea"/>
+                <a:cs typeface="+mn-cs"/>
+              </a:defRPr>
+            </a:lvl3pPr>
+            <a:lvl4pPr marL="1371600" algn="l" defTabSz="457200" rtl="0" eaLnBrk="1" latinLnBrk="0" hangingPunct="1">
+              <a:defRPr sz="1800" kern="1200">
+                <a:solidFill>
+                  <a:schemeClr val="lt1"/>
+                </a:solidFill>
+                <a:latin typeface="+mn-lt"/>
+                <a:ea typeface="+mn-ea"/>
+                <a:cs typeface="+mn-cs"/>
+              </a:defRPr>
+            </a:lvl4pPr>
+            <a:lvl5pPr marL="1828800" algn="l" defTabSz="457200" rtl="0" eaLnBrk="1" latinLnBrk="0" hangingPunct="1">
+              <a:defRPr sz="1800" kern="1200">
+                <a:solidFill>
+                  <a:schemeClr val="lt1"/>
+                </a:solidFill>
+                <a:latin typeface="+mn-lt"/>
+                <a:ea typeface="+mn-ea"/>
+                <a:cs typeface="+mn-cs"/>
+              </a:defRPr>
+            </a:lvl5pPr>
+            <a:lvl6pPr marL="2286000" algn="l" defTabSz="457200" rtl="0" eaLnBrk="1" latinLnBrk="0" hangingPunct="1">
+              <a:defRPr sz="1800" kern="1200">
+                <a:solidFill>
+                  <a:schemeClr val="lt1"/>
+                </a:solidFill>
+                <a:latin typeface="+mn-lt"/>
+                <a:ea typeface="+mn-ea"/>
+                <a:cs typeface="+mn-cs"/>
+              </a:defRPr>
+            </a:lvl6pPr>
+            <a:lvl7pPr marL="2743200" algn="l" defTabSz="457200" rtl="0" eaLnBrk="1" latinLnBrk="0" hangingPunct="1">
+              <a:defRPr sz="1800" kern="1200">
+                <a:solidFill>
+                  <a:schemeClr val="lt1"/>
+                </a:solidFill>
+                <a:latin typeface="+mn-lt"/>
+                <a:ea typeface="+mn-ea"/>
+                <a:cs typeface="+mn-cs"/>
+              </a:defRPr>
+            </a:lvl7pPr>
+            <a:lvl8pPr marL="3200400" algn="l" defTabSz="457200" rtl="0" eaLnBrk="1" latinLnBrk="0" hangingPunct="1">
+              <a:defRPr sz="1800" kern="1200">
+                <a:solidFill>
+                  <a:schemeClr val="lt1"/>
+                </a:solidFill>
+                <a:latin typeface="+mn-lt"/>
+                <a:ea typeface="+mn-ea"/>
+                <a:cs typeface="+mn-cs"/>
+              </a:defRPr>
+            </a:lvl8pPr>
+            <a:lvl9pPr marL="3657600" algn="l" defTabSz="457200" rtl="0" eaLnBrk="1" latinLnBrk="0" hangingPunct="1">
+              <a:defRPr sz="1800" kern="1200">
+                <a:solidFill>
+                  <a:schemeClr val="lt1"/>
+                </a:solidFill>
+                <a:latin typeface="+mn-lt"/>
+                <a:ea typeface="+mn-ea"/>
+                <a:cs typeface="+mn-cs"/>
+              </a:defRPr>
+            </a:lvl9pPr>
+          </a:lstStyle>
+          <a:p>
+            <a:pPr algn="ctr"/>
+            <a:r>
+              <a:rPr kumimoji="1" lang="ja-JP" altLang="en-US" sz="2800" b="1" dirty="0"/>
+              <a:t>重大な問題</a:t>
+            </a:r>
+          </a:p>
+        </p:txBody>
+      </p:sp>
     </p:spTree>
     <p:extLst>
       <p:ext uri="{BB962C8B-B14F-4D97-AF65-F5344CB8AC3E}">
-        <p14:creationId xmlns:p14="http://schemas.microsoft.com/office/powerpoint/2010/main" val="3317798310"/>
+        <p14:creationId xmlns:p14="http://schemas.microsoft.com/office/powerpoint/2010/main" val="2286195320"/>
       </p:ext>
     </p:extLst>
   </p:cSld>
@@ -6404,7 +8414,7 @@
           <p:cNvPr id="2" name="タイトル 1">
             <a:extLst>
               <a:ext uri="{FF2B5EF4-FFF2-40B4-BE49-F238E27FC236}">
-                <a16:creationId xmlns:a16="http://schemas.microsoft.com/office/drawing/2014/main" id="{F7218C45-B308-709D-495F-B9CBD4835BD4}"/>
+                <a16:creationId xmlns:a16="http://schemas.microsoft.com/office/drawing/2014/main" id="{33D2CD1B-C797-0235-A2E7-D72CBCF51B9A}"/>
               </a:ext>
             </a:extLst>
           </p:cNvPr>
@@ -6417,14 +8427,12 @@
         </p:nvSpPr>
         <p:spPr/>
         <p:txBody>
-          <a:bodyPr>
-            <a:normAutofit/>
-          </a:bodyPr>
+          <a:bodyPr/>
           <a:lstStyle/>
           <a:p>
             <a:r>
               <a:rPr kumimoji="1" lang="ja-JP" altLang="en-US" dirty="0"/>
-              <a:t>カメラキャリブレーション（カメラ内部パラメータ）</a:t>
+              <a:t>コートの撮影</a:t>
             </a:r>
           </a:p>
         </p:txBody>
@@ -6434,7 +8442,7 @@
           <p:cNvPr id="3" name="日付プレースホルダー 2">
             <a:extLst>
               <a:ext uri="{FF2B5EF4-FFF2-40B4-BE49-F238E27FC236}">
-                <a16:creationId xmlns:a16="http://schemas.microsoft.com/office/drawing/2014/main" id="{0821F7EC-E535-7CF9-DF69-AC3372999919}"/>
+                <a16:creationId xmlns:a16="http://schemas.microsoft.com/office/drawing/2014/main" id="{7128584F-48BE-8BC4-DC91-8A9A8202B2D4}"/>
               </a:ext>
             </a:extLst>
           </p:cNvPr>
@@ -6452,7 +8460,7 @@
           <a:p>
             <a:fld id="{0EBD75F6-044E-491D-986A-5218474C3849}" type="datetime1">
               <a:rPr kumimoji="1" lang="ja-JP" altLang="en-US" smtClean="0"/>
-              <a:t>2023/1/18</a:t>
+              <a:t>2023/1/20</a:t>
             </a:fld>
             <a:endParaRPr kumimoji="1" lang="ja-JP" altLang="en-US"/>
           </a:p>
@@ -6463,7 +8471,7 @@
           <p:cNvPr id="4" name="スライド番号プレースホルダー 3">
             <a:extLst>
               <a:ext uri="{FF2B5EF4-FFF2-40B4-BE49-F238E27FC236}">
-                <a16:creationId xmlns:a16="http://schemas.microsoft.com/office/drawing/2014/main" id="{47DC84EC-5BC6-4A1A-477F-9389052F690F}"/>
+                <a16:creationId xmlns:a16="http://schemas.microsoft.com/office/drawing/2014/main" id="{9F43509B-FE5E-FAB9-D508-08909A8801ED}"/>
               </a:ext>
             </a:extLst>
           </p:cNvPr>
@@ -6490,7 +8498,7 @@
     </p:spTree>
     <p:extLst>
       <p:ext uri="{BB962C8B-B14F-4D97-AF65-F5344CB8AC3E}">
-        <p14:creationId xmlns:p14="http://schemas.microsoft.com/office/powerpoint/2010/main" val="3174435898"/>
+        <p14:creationId xmlns:p14="http://schemas.microsoft.com/office/powerpoint/2010/main" val="3317798310"/>
       </p:ext>
     </p:extLst>
   </p:cSld>
@@ -6522,7 +8530,7 @@
           <p:cNvPr id="2" name="タイトル 1">
             <a:extLst>
               <a:ext uri="{FF2B5EF4-FFF2-40B4-BE49-F238E27FC236}">
-                <a16:creationId xmlns:a16="http://schemas.microsoft.com/office/drawing/2014/main" id="{3C1DE226-69EC-47A1-F116-237031581DDF}"/>
+                <a16:creationId xmlns:a16="http://schemas.microsoft.com/office/drawing/2014/main" id="{F7218C45-B308-709D-495F-B9CBD4835BD4}"/>
               </a:ext>
             </a:extLst>
           </p:cNvPr>
@@ -6542,7 +8550,7 @@
           <a:p>
             <a:r>
               <a:rPr kumimoji="1" lang="ja-JP" altLang="en-US" dirty="0"/>
-              <a:t>カメラキャリブレーション（カメラ外部パラメータ）</a:t>
+              <a:t>カメラキャリブレーション（カメラ内部パラメータ）</a:t>
             </a:r>
           </a:p>
         </p:txBody>
@@ -6552,7 +8560,7 @@
           <p:cNvPr id="3" name="日付プレースホルダー 2">
             <a:extLst>
               <a:ext uri="{FF2B5EF4-FFF2-40B4-BE49-F238E27FC236}">
-                <a16:creationId xmlns:a16="http://schemas.microsoft.com/office/drawing/2014/main" id="{F00856C0-CDB6-C960-3AA5-FDD1A203C5D5}"/>
+                <a16:creationId xmlns:a16="http://schemas.microsoft.com/office/drawing/2014/main" id="{0821F7EC-E535-7CF9-DF69-AC3372999919}"/>
               </a:ext>
             </a:extLst>
           </p:cNvPr>
@@ -6570,7 +8578,7 @@
           <a:p>
             <a:fld id="{0EBD75F6-044E-491D-986A-5218474C3849}" type="datetime1">
               <a:rPr kumimoji="1" lang="ja-JP" altLang="en-US" smtClean="0"/>
-              <a:t>2023/1/18</a:t>
+              <a:t>2023/1/20</a:t>
             </a:fld>
             <a:endParaRPr kumimoji="1" lang="ja-JP" altLang="en-US"/>
           </a:p>
@@ -6581,7 +8589,7 @@
           <p:cNvPr id="4" name="スライド番号プレースホルダー 3">
             <a:extLst>
               <a:ext uri="{FF2B5EF4-FFF2-40B4-BE49-F238E27FC236}">
-                <a16:creationId xmlns:a16="http://schemas.microsoft.com/office/drawing/2014/main" id="{B00B712A-CF5F-3424-7FCA-79DB57DF1C6D}"/>
+                <a16:creationId xmlns:a16="http://schemas.microsoft.com/office/drawing/2014/main" id="{47DC84EC-5BC6-4A1A-477F-9389052F690F}"/>
               </a:ext>
             </a:extLst>
           </p:cNvPr>
@@ -6608,7 +8616,7 @@
     </p:spTree>
     <p:extLst>
       <p:ext uri="{BB962C8B-B14F-4D97-AF65-F5344CB8AC3E}">
-        <p14:creationId xmlns:p14="http://schemas.microsoft.com/office/powerpoint/2010/main" val="2228547947"/>
+        <p14:creationId xmlns:p14="http://schemas.microsoft.com/office/powerpoint/2010/main" val="3174435898"/>
       </p:ext>
     </p:extLst>
   </p:cSld>
@@ -6640,7 +8648,7 @@
           <p:cNvPr id="2" name="タイトル 1">
             <a:extLst>
               <a:ext uri="{FF2B5EF4-FFF2-40B4-BE49-F238E27FC236}">
-                <a16:creationId xmlns:a16="http://schemas.microsoft.com/office/drawing/2014/main" id="{BD051EC3-F972-CB39-A49D-38E03216CC54}"/>
+                <a16:creationId xmlns:a16="http://schemas.microsoft.com/office/drawing/2014/main" id="{3C1DE226-69EC-47A1-F116-237031581DDF}"/>
               </a:ext>
             </a:extLst>
           </p:cNvPr>
@@ -6653,16 +8661,14 @@
         </p:nvSpPr>
         <p:spPr/>
         <p:txBody>
-          <a:bodyPr/>
-          <a:lstStyle/>
-          <a:p>
-            <a:r>
-              <a:rPr kumimoji="1" lang="en-US" altLang="ja-JP" dirty="0"/>
-              <a:t>AlphaPose</a:t>
-            </a:r>
+          <a:bodyPr>
+            <a:normAutofit/>
+          </a:bodyPr>
+          <a:lstStyle/>
+          <a:p>
             <a:r>
               <a:rPr kumimoji="1" lang="ja-JP" altLang="en-US" dirty="0"/>
-              <a:t>による姿勢推定</a:t>
+              <a:t>カメラキャリブレーション（カメラ外部パラメータ）</a:t>
             </a:r>
           </a:p>
         </p:txBody>
@@ -6672,7 +8678,7 @@
           <p:cNvPr id="3" name="日付プレースホルダー 2">
             <a:extLst>
               <a:ext uri="{FF2B5EF4-FFF2-40B4-BE49-F238E27FC236}">
-                <a16:creationId xmlns:a16="http://schemas.microsoft.com/office/drawing/2014/main" id="{ACF6A2D0-CDF7-D5B1-357C-3F6A64CED16C}"/>
+                <a16:creationId xmlns:a16="http://schemas.microsoft.com/office/drawing/2014/main" id="{F00856C0-CDB6-C960-3AA5-FDD1A203C5D5}"/>
               </a:ext>
             </a:extLst>
           </p:cNvPr>
@@ -6690,7 +8696,7 @@
           <a:p>
             <a:fld id="{0EBD75F6-044E-491D-986A-5218474C3849}" type="datetime1">
               <a:rPr kumimoji="1" lang="ja-JP" altLang="en-US" smtClean="0"/>
-              <a:t>2023/1/18</a:t>
+              <a:t>2023/1/20</a:t>
             </a:fld>
             <a:endParaRPr kumimoji="1" lang="ja-JP" altLang="en-US"/>
           </a:p>
@@ -6701,7 +8707,7 @@
           <p:cNvPr id="4" name="スライド番号プレースホルダー 3">
             <a:extLst>
               <a:ext uri="{FF2B5EF4-FFF2-40B4-BE49-F238E27FC236}">
-                <a16:creationId xmlns:a16="http://schemas.microsoft.com/office/drawing/2014/main" id="{8C50F6C0-BDE0-4D4F-4812-6D433C7C4736}"/>
+                <a16:creationId xmlns:a16="http://schemas.microsoft.com/office/drawing/2014/main" id="{B00B712A-CF5F-3424-7FCA-79DB57DF1C6D}"/>
               </a:ext>
             </a:extLst>
           </p:cNvPr>
@@ -6728,7 +8734,7 @@
     </p:spTree>
     <p:extLst>
       <p:ext uri="{BB962C8B-B14F-4D97-AF65-F5344CB8AC3E}">
-        <p14:creationId xmlns:p14="http://schemas.microsoft.com/office/powerpoint/2010/main" val="381625290"/>
+        <p14:creationId xmlns:p14="http://schemas.microsoft.com/office/powerpoint/2010/main" val="2228547947"/>
       </p:ext>
     </p:extLst>
   </p:cSld>
@@ -6760,7 +8766,7 @@
           <p:cNvPr id="2" name="タイトル 1">
             <a:extLst>
               <a:ext uri="{FF2B5EF4-FFF2-40B4-BE49-F238E27FC236}">
-                <a16:creationId xmlns:a16="http://schemas.microsoft.com/office/drawing/2014/main" id="{9BFBF118-D746-333D-129F-A28324F3380B}"/>
+                <a16:creationId xmlns:a16="http://schemas.microsoft.com/office/drawing/2014/main" id="{BD051EC3-F972-CB39-A49D-38E03216CC54}"/>
               </a:ext>
             </a:extLst>
           </p:cNvPr>
@@ -6777,8 +8783,12 @@
           <a:lstStyle/>
           <a:p>
             <a:r>
+              <a:rPr kumimoji="1" lang="en-US" altLang="ja-JP" dirty="0"/>
+              <a:t>AlphaPose</a:t>
+            </a:r>
+            <a:r>
               <a:rPr kumimoji="1" lang="ja-JP" altLang="en-US" dirty="0"/>
-              <a:t>映像間の選手の対応付け（手動）</a:t>
+              <a:t>による姿勢推定</a:t>
             </a:r>
           </a:p>
         </p:txBody>
@@ -6788,7 +8798,7 @@
           <p:cNvPr id="3" name="日付プレースホルダー 2">
             <a:extLst>
               <a:ext uri="{FF2B5EF4-FFF2-40B4-BE49-F238E27FC236}">
-                <a16:creationId xmlns:a16="http://schemas.microsoft.com/office/drawing/2014/main" id="{267B9EF7-F53B-A17A-B524-6CADF423E8D9}"/>
+                <a16:creationId xmlns:a16="http://schemas.microsoft.com/office/drawing/2014/main" id="{ACF6A2D0-CDF7-D5B1-357C-3F6A64CED16C}"/>
               </a:ext>
             </a:extLst>
           </p:cNvPr>
@@ -6806,7 +8816,7 @@
           <a:p>
             <a:fld id="{0EBD75F6-044E-491D-986A-5218474C3849}" type="datetime1">
               <a:rPr kumimoji="1" lang="ja-JP" altLang="en-US" smtClean="0"/>
-              <a:t>2023/1/18</a:t>
+              <a:t>2023/1/20</a:t>
             </a:fld>
             <a:endParaRPr kumimoji="1" lang="ja-JP" altLang="en-US"/>
           </a:p>
@@ -6817,7 +8827,7 @@
           <p:cNvPr id="4" name="スライド番号プレースホルダー 3">
             <a:extLst>
               <a:ext uri="{FF2B5EF4-FFF2-40B4-BE49-F238E27FC236}">
-                <a16:creationId xmlns:a16="http://schemas.microsoft.com/office/drawing/2014/main" id="{6EDBB061-278E-2BF5-399B-A8867A43DE1D}"/>
+                <a16:creationId xmlns:a16="http://schemas.microsoft.com/office/drawing/2014/main" id="{8C50F6C0-BDE0-4D4F-4812-6D433C7C4736}"/>
               </a:ext>
             </a:extLst>
           </p:cNvPr>
@@ -6844,7 +8854,7 @@
     </p:spTree>
     <p:extLst>
       <p:ext uri="{BB962C8B-B14F-4D97-AF65-F5344CB8AC3E}">
-        <p14:creationId xmlns:p14="http://schemas.microsoft.com/office/powerpoint/2010/main" val="2235148944"/>
+        <p14:creationId xmlns:p14="http://schemas.microsoft.com/office/powerpoint/2010/main" val="381625290"/>
       </p:ext>
     </p:extLst>
   </p:cSld>
@@ -6876,7 +8886,7 @@
           <p:cNvPr id="2" name="タイトル 1">
             <a:extLst>
               <a:ext uri="{FF2B5EF4-FFF2-40B4-BE49-F238E27FC236}">
-                <a16:creationId xmlns:a16="http://schemas.microsoft.com/office/drawing/2014/main" id="{A2A3D40D-F2A2-DACF-25F2-825CA2315319}"/>
+                <a16:creationId xmlns:a16="http://schemas.microsoft.com/office/drawing/2014/main" id="{9BFBF118-D746-333D-129F-A28324F3380B}"/>
               </a:ext>
             </a:extLst>
           </p:cNvPr>
@@ -6894,15 +8904,7 @@
           <a:p>
             <a:r>
               <a:rPr kumimoji="1" lang="ja-JP" altLang="en-US" dirty="0"/>
-              <a:t>選手の</a:t>
-            </a:r>
-            <a:r>
-              <a:rPr kumimoji="1" lang="en-US" altLang="ja-JP" dirty="0"/>
-              <a:t>3</a:t>
-            </a:r>
-            <a:r>
-              <a:rPr kumimoji="1" lang="ja-JP" altLang="en-US" dirty="0"/>
-              <a:t>次元位置推定</a:t>
+              <a:t>映像間の選手の対応付け（手動）</a:t>
             </a:r>
           </a:p>
         </p:txBody>
@@ -6912,7 +8914,7 @@
           <p:cNvPr id="3" name="日付プレースホルダー 2">
             <a:extLst>
               <a:ext uri="{FF2B5EF4-FFF2-40B4-BE49-F238E27FC236}">
-                <a16:creationId xmlns:a16="http://schemas.microsoft.com/office/drawing/2014/main" id="{2E1DC128-EE9C-1C83-F534-7E7A9E859E22}"/>
+                <a16:creationId xmlns:a16="http://schemas.microsoft.com/office/drawing/2014/main" id="{267B9EF7-F53B-A17A-B524-6CADF423E8D9}"/>
               </a:ext>
             </a:extLst>
           </p:cNvPr>
@@ -6930,7 +8932,7 @@
           <a:p>
             <a:fld id="{0EBD75F6-044E-491D-986A-5218474C3849}" type="datetime1">
               <a:rPr kumimoji="1" lang="ja-JP" altLang="en-US" smtClean="0"/>
-              <a:t>2023/1/18</a:t>
+              <a:t>2023/1/20</a:t>
             </a:fld>
             <a:endParaRPr kumimoji="1" lang="ja-JP" altLang="en-US"/>
           </a:p>
@@ -6941,7 +8943,7 @@
           <p:cNvPr id="4" name="スライド番号プレースホルダー 3">
             <a:extLst>
               <a:ext uri="{FF2B5EF4-FFF2-40B4-BE49-F238E27FC236}">
-                <a16:creationId xmlns:a16="http://schemas.microsoft.com/office/drawing/2014/main" id="{56B6B4B3-8A35-C28A-E441-994D17187EAD}"/>
+                <a16:creationId xmlns:a16="http://schemas.microsoft.com/office/drawing/2014/main" id="{6EDBB061-278E-2BF5-399B-A8867A43DE1D}"/>
               </a:ext>
             </a:extLst>
           </p:cNvPr>
@@ -6968,7 +8970,7 @@
     </p:spTree>
     <p:extLst>
       <p:ext uri="{BB962C8B-B14F-4D97-AF65-F5344CB8AC3E}">
-        <p14:creationId xmlns:p14="http://schemas.microsoft.com/office/powerpoint/2010/main" val="1782289201"/>
+        <p14:creationId xmlns:p14="http://schemas.microsoft.com/office/powerpoint/2010/main" val="2235148944"/>
       </p:ext>
     </p:extLst>
   </p:cSld>

--- a/Report/presen/卒研スライド_佐野01.pptx
+++ b/Report/presen/卒研スライド_佐野01.pptx
@@ -6309,48 +6309,6 @@
       </p:sp>
       <p:sp>
         <p:nvSpPr>
-          <p:cNvPr id="7" name="テキスト ボックス 6">
-            <a:extLst>
-              <a:ext uri="{FF2B5EF4-FFF2-40B4-BE49-F238E27FC236}">
-                <a16:creationId xmlns:a16="http://schemas.microsoft.com/office/drawing/2014/main" id="{E7856BF5-2709-B106-107B-2DA148FD040B}"/>
-              </a:ext>
-            </a:extLst>
-          </p:cNvPr>
-          <p:cNvSpPr txBox="1"/>
-          <p:nvPr/>
-        </p:nvSpPr>
-        <p:spPr>
-          <a:xfrm>
-            <a:off x="237066" y="1370240"/>
-            <a:ext cx="3300904" cy="523220"/>
-          </a:xfrm>
-          <a:prstGeom prst="rect">
-            <a:avLst/>
-          </a:prstGeom>
-          <a:noFill/>
-        </p:spPr>
-        <p:txBody>
-          <a:bodyPr wrap="none" rtlCol="0">
-            <a:spAutoFit/>
-          </a:bodyPr>
-          <a:lstStyle/>
-          <a:p>
-            <a:r>
-              <a:rPr kumimoji="1" lang="ja-JP" altLang="en-US" sz="2800" b="1" dirty="0">
-                <a:solidFill>
-                  <a:schemeClr val="tx1">
-                    <a:lumMod val="75000"/>
-                    <a:lumOff val="25000"/>
-                  </a:schemeClr>
-                </a:solidFill>
-              </a:rPr>
-              <a:t>現在のスポーツ指導</a:t>
-            </a:r>
-          </a:p>
-        </p:txBody>
-      </p:sp>
-      <p:sp>
-        <p:nvSpPr>
           <p:cNvPr id="8" name="正方形/長方形 7">
             <a:extLst>
               <a:ext uri="{FF2B5EF4-FFF2-40B4-BE49-F238E27FC236}">
@@ -7148,6 +7106,48 @@
                 </a:solidFill>
               </a:rPr>
               <a:t>で選手の動きをデータ化</a:t>
+            </a:r>
+          </a:p>
+        </p:txBody>
+      </p:sp>
+      <p:sp>
+        <p:nvSpPr>
+          <p:cNvPr id="13" name="テキスト ボックス 12">
+            <a:extLst>
+              <a:ext uri="{FF2B5EF4-FFF2-40B4-BE49-F238E27FC236}">
+                <a16:creationId xmlns:a16="http://schemas.microsoft.com/office/drawing/2014/main" id="{7617487F-9FAE-5FF5-A3C9-68F4D5132228}"/>
+              </a:ext>
+            </a:extLst>
+          </p:cNvPr>
+          <p:cNvSpPr txBox="1"/>
+          <p:nvPr/>
+        </p:nvSpPr>
+        <p:spPr>
+          <a:xfrm>
+            <a:off x="328674" y="1315011"/>
+            <a:ext cx="3760966" cy="584775"/>
+          </a:xfrm>
+          <a:prstGeom prst="rect">
+            <a:avLst/>
+          </a:prstGeom>
+          <a:noFill/>
+        </p:spPr>
+        <p:txBody>
+          <a:bodyPr wrap="none" rtlCol="0">
+            <a:spAutoFit/>
+          </a:bodyPr>
+          <a:lstStyle/>
+          <a:p>
+            <a:r>
+              <a:rPr kumimoji="1" lang="ja-JP" altLang="en-US" sz="3200" b="1" dirty="0">
+                <a:solidFill>
+                  <a:schemeClr val="tx1">
+                    <a:lumMod val="75000"/>
+                    <a:lumOff val="25000"/>
+                  </a:schemeClr>
+                </a:solidFill>
+              </a:rPr>
+              <a:t>現在のスポーツ指導</a:t>
             </a:r>
           </a:p>
         </p:txBody>
@@ -7293,8 +7293,8 @@
         </p:nvSpPr>
         <p:spPr>
           <a:xfrm>
-            <a:off x="237066" y="1370240"/>
-            <a:ext cx="2220480" cy="523220"/>
+            <a:off x="328674" y="1315011"/>
+            <a:ext cx="2451312" cy="584775"/>
           </a:xfrm>
           <a:prstGeom prst="rect">
             <a:avLst/>
@@ -7308,7 +7308,7 @@
           <a:lstStyle/>
           <a:p>
             <a:r>
-              <a:rPr kumimoji="1" lang="ja-JP" altLang="en-US" sz="2800" b="1" dirty="0">
+              <a:rPr kumimoji="1" lang="ja-JP" altLang="en-US" sz="3200" b="1" dirty="0">
                 <a:solidFill>
                   <a:schemeClr val="tx1">
                     <a:lumMod val="75000"/>
@@ -7561,7 +7561,7 @@
         <p:spPr>
           <a:xfrm>
             <a:off x="5430003" y="2011386"/>
-            <a:ext cx="3573414" cy="1886286"/>
+            <a:ext cx="3451586" cy="1886286"/>
           </a:xfrm>
           <a:prstGeom prst="rect">
             <a:avLst/>
@@ -7832,48 +7832,6 @@
               <a:t>4</a:t>
             </a:fld>
             <a:endParaRPr kumimoji="1" lang="ja-JP" altLang="en-US"/>
-          </a:p>
-        </p:txBody>
-      </p:sp>
-      <p:sp>
-        <p:nvSpPr>
-          <p:cNvPr id="5" name="テキスト ボックス 4">
-            <a:extLst>
-              <a:ext uri="{FF2B5EF4-FFF2-40B4-BE49-F238E27FC236}">
-                <a16:creationId xmlns:a16="http://schemas.microsoft.com/office/drawing/2014/main" id="{1CE3EA2C-2BEB-E8D4-53CE-5161B971F60A}"/>
-              </a:ext>
-            </a:extLst>
-          </p:cNvPr>
-          <p:cNvSpPr txBox="1"/>
-          <p:nvPr/>
-        </p:nvSpPr>
-        <p:spPr>
-          <a:xfrm>
-            <a:off x="237066" y="1370240"/>
-            <a:ext cx="1627369" cy="523220"/>
-          </a:xfrm>
-          <a:prstGeom prst="rect">
-            <a:avLst/>
-          </a:prstGeom>
-          <a:noFill/>
-        </p:spPr>
-        <p:txBody>
-          <a:bodyPr wrap="none" rtlCol="0">
-            <a:spAutoFit/>
-          </a:bodyPr>
-          <a:lstStyle/>
-          <a:p>
-            <a:r>
-              <a:rPr kumimoji="1" lang="ja-JP" altLang="en-US" sz="2800" b="1" dirty="0">
-                <a:solidFill>
-                  <a:schemeClr val="tx1">
-                    <a:lumMod val="75000"/>
-                    <a:lumOff val="25000"/>
-                  </a:schemeClr>
-                </a:solidFill>
-              </a:rPr>
-              <a:t>先行研究</a:t>
-            </a:r>
           </a:p>
         </p:txBody>
       </p:sp>
@@ -7963,7 +7921,7 @@
                 </a:solidFill>
                 <a:latin typeface="+mn-ea"/>
               </a:rPr>
-              <a:t>選手の足が地面についてる場合</a:t>
+              <a:t>選手の足が地面についてる場合に限り</a:t>
             </a:r>
             <a:endParaRPr lang="en-US" altLang="ja-JP" sz="2400" b="1" dirty="0">
               <a:solidFill>
@@ -8014,7 +7972,7 @@
                 <a:effectLst/>
                 <a:latin typeface="+mn-ea"/>
               </a:rPr>
-              <a:t>台で推定できる</a:t>
+              <a:t>台で推定可能</a:t>
             </a:r>
             <a:endParaRPr lang="en-US" altLang="ja-JP" sz="2400" b="1" i="0" dirty="0">
               <a:solidFill>
@@ -8375,6 +8333,48 @@
             <a:r>
               <a:rPr kumimoji="1" lang="ja-JP" altLang="en-US" sz="2800" b="1" dirty="0"/>
               <a:t>重大な問題</a:t>
+            </a:r>
+          </a:p>
+        </p:txBody>
+      </p:sp>
+      <p:sp>
+        <p:nvSpPr>
+          <p:cNvPr id="13" name="テキスト ボックス 12">
+            <a:extLst>
+              <a:ext uri="{FF2B5EF4-FFF2-40B4-BE49-F238E27FC236}">
+                <a16:creationId xmlns:a16="http://schemas.microsoft.com/office/drawing/2014/main" id="{7FCD39FB-F683-97C8-F7F0-3BB5010B85C5}"/>
+              </a:ext>
+            </a:extLst>
+          </p:cNvPr>
+          <p:cNvSpPr txBox="1"/>
+          <p:nvPr/>
+        </p:nvSpPr>
+        <p:spPr>
+          <a:xfrm>
+            <a:off x="328674" y="1315011"/>
+            <a:ext cx="1832553" cy="584775"/>
+          </a:xfrm>
+          <a:prstGeom prst="rect">
+            <a:avLst/>
+          </a:prstGeom>
+          <a:noFill/>
+        </p:spPr>
+        <p:txBody>
+          <a:bodyPr wrap="none" rtlCol="0">
+            <a:spAutoFit/>
+          </a:bodyPr>
+          <a:lstStyle/>
+          <a:p>
+            <a:r>
+              <a:rPr kumimoji="1" lang="ja-JP" altLang="en-US" sz="3200" b="1" dirty="0">
+                <a:solidFill>
+                  <a:schemeClr val="tx1">
+                    <a:lumMod val="75000"/>
+                    <a:lumOff val="25000"/>
+                  </a:schemeClr>
+                </a:solidFill>
+              </a:rPr>
+              <a:t>先行研究</a:t>
             </a:r>
           </a:p>
         </p:txBody>
